--- a/Presentation/Slang IDE.pptx
+++ b/Presentation/Slang IDE.pptx
@@ -6,14 +6,12 @@
   </p:sldMasterIdLst>
   <p:sldIdLst>
     <p:sldId id="256" r:id="rId2"/>
-    <p:sldId id="257" r:id="rId3"/>
-    <p:sldId id="258" r:id="rId4"/>
-    <p:sldId id="259" r:id="rId5"/>
-    <p:sldId id="260" r:id="rId6"/>
-    <p:sldId id="261" r:id="rId7"/>
-    <p:sldId id="262" r:id="rId8"/>
-    <p:sldId id="264" r:id="rId9"/>
-    <p:sldId id="265" r:id="rId10"/>
+    <p:sldId id="260" r:id="rId3"/>
+    <p:sldId id="261" r:id="rId4"/>
+    <p:sldId id="262" r:id="rId5"/>
+    <p:sldId id="264" r:id="rId6"/>
+    <p:sldId id="265" r:id="rId7"/>
+    <p:sldId id="266" r:id="rId8"/>
   </p:sldIdLst>
   <p:sldSz cx="12192000" cy="6858000"/>
   <p:notesSz cx="6858000" cy="9144000"/>
@@ -3844,2164 +3842,6 @@
           <a:chExt cx="0" cy="0"/>
         </a:xfrm>
       </p:grpSpPr>
-      <p:sp useBgFill="1">
-        <p:nvSpPr>
-          <p:cNvPr id="14" name="Rectangle 13">
-            <a:extLst>
-              <a:ext uri="{FF2B5EF4-FFF2-40B4-BE49-F238E27FC236}">
-                <a16:creationId xmlns:a16="http://schemas.microsoft.com/office/drawing/2014/main" id="{04C21BAE-6866-4C7A-A7EC-C1B2E572D5BE}"/>
-              </a:ext>
-              <a:ext uri="{C183D7F6-B498-43B3-948B-1728B52AA6E4}">
-                <adec:decorative xmlns:adec="http://schemas.microsoft.com/office/drawing/2017/decorative" val="1"/>
-              </a:ext>
-            </a:extLst>
-          </p:cNvPr>
-          <p:cNvSpPr>
-            <a:spLocks noGrp="1" noRot="1" noChangeAspect="1" noMove="1" noResize="1" noEditPoints="1" noAdjustHandles="1" noChangeArrowheads="1" noChangeShapeType="1" noTextEdit="1"/>
-          </p:cNvSpPr>
-          <p:nvPr>
-            <p:extLst>
-              <p:ext uri="{386F3935-93C4-4BCD-93E2-E3B085C9AB24}">
-                <p16:designElem xmlns:p16="http://schemas.microsoft.com/office/powerpoint/2015/main" val="1"/>
-              </p:ext>
-            </p:extLst>
-          </p:nvPr>
-        </p:nvSpPr>
-        <p:spPr>
-          <a:xfrm>
-            <a:off x="0" y="0"/>
-            <a:ext cx="12192000" cy="6858000"/>
-          </a:xfrm>
-          <a:prstGeom prst="rect">
-            <a:avLst/>
-          </a:prstGeom>
-          <a:ln w="12700" cap="flat" cmpd="sng" algn="ctr">
-            <a:noFill/>
-            <a:prstDash val="solid"/>
-            <a:miter lim="800000"/>
-          </a:ln>
-          <a:effectLst/>
-          <a:extLst>
-            <a:ext uri="{91240B29-F687-4F45-9708-019B960494DF}">
-              <a14:hiddenLine xmlns:a14="http://schemas.microsoft.com/office/drawing/2010/main" w="12700" cap="flat" cmpd="sng" algn="ctr">
-                <a:solidFill>
-                  <a:schemeClr val="accent1">
-                    <a:shade val="50000"/>
-                  </a:schemeClr>
-                </a:solidFill>
-                <a:prstDash val="solid"/>
-                <a:miter lim="800000"/>
-              </a14:hiddenLine>
-            </a:ext>
-          </a:extLst>
-        </p:spPr>
-        <p:style>
-          <a:lnRef idx="2">
-            <a:schemeClr val="accent1">
-              <a:shade val="50000"/>
-            </a:schemeClr>
-          </a:lnRef>
-          <a:fillRef idx="1">
-            <a:schemeClr val="accent1"/>
-          </a:fillRef>
-          <a:effectRef idx="0">
-            <a:schemeClr val="accent1"/>
-          </a:effectRef>
-          <a:fontRef idx="minor">
-            <a:schemeClr val="lt1"/>
-          </a:fontRef>
-        </p:style>
-        <p:txBody>
-          <a:bodyPr rtlCol="0" anchor="ctr"/>
-          <a:lstStyle/>
-          <a:p>
-            <a:pPr algn="ctr"/>
-            <a:endParaRPr lang="en-US"/>
-          </a:p>
-        </p:txBody>
-      </p:sp>
-      <p:sp useBgFill="1">
-        <p:nvSpPr>
-          <p:cNvPr id="16" name="Freeform: Shape 10">
-            <a:extLst>
-              <a:ext uri="{FF2B5EF4-FFF2-40B4-BE49-F238E27FC236}">
-                <a16:creationId xmlns:a16="http://schemas.microsoft.com/office/drawing/2014/main" id="{7E7D0C94-08B4-48AE-8813-CC4D60294F42}"/>
-              </a:ext>
-              <a:ext uri="{C183D7F6-B498-43B3-948B-1728B52AA6E4}">
-                <adec:decorative xmlns:adec="http://schemas.microsoft.com/office/drawing/2017/decorative" val="1"/>
-              </a:ext>
-            </a:extLst>
-          </p:cNvPr>
-          <p:cNvSpPr>
-            <a:spLocks noGrp="1" noRot="1" noChangeAspect="1" noMove="1" noResize="1" noEditPoints="1" noAdjustHandles="1" noChangeArrowheads="1" noChangeShapeType="1" noTextEdit="1"/>
-          </p:cNvSpPr>
-          <p:nvPr>
-            <p:extLst>
-              <p:ext uri="{386F3935-93C4-4BCD-93E2-E3B085C9AB24}">
-                <p16:designElem xmlns:p16="http://schemas.microsoft.com/office/powerpoint/2015/main" val="1"/>
-              </p:ext>
-            </p:extLst>
-          </p:nvPr>
-        </p:nvSpPr>
-        <p:spPr>
-          <a:xfrm>
-            <a:off x="723899" y="609600"/>
-            <a:ext cx="5372101" cy="5513767"/>
-          </a:xfrm>
-          <a:custGeom>
-            <a:avLst/>
-            <a:gdLst>
-              <a:gd name="connsiteX0" fmla="*/ 0 w 5372101"/>
-              <a:gd name="connsiteY0" fmla="*/ 0 h 5513767"/>
-              <a:gd name="connsiteX1" fmla="*/ 5372101 w 5372101"/>
-              <a:gd name="connsiteY1" fmla="*/ 0 h 5513767"/>
-              <a:gd name="connsiteX2" fmla="*/ 5372101 w 5372101"/>
-              <a:gd name="connsiteY2" fmla="*/ 5513767 h 5513767"/>
-              <a:gd name="connsiteX3" fmla="*/ 5363126 w 5372101"/>
-              <a:gd name="connsiteY3" fmla="*/ 5512835 h 5513767"/>
-              <a:gd name="connsiteX4" fmla="*/ 5316714 w 5372101"/>
-              <a:gd name="connsiteY4" fmla="*/ 5491247 h 5513767"/>
-              <a:gd name="connsiteX5" fmla="*/ 5198331 w 5372101"/>
-              <a:gd name="connsiteY5" fmla="*/ 5470092 h 5513767"/>
-              <a:gd name="connsiteX6" fmla="*/ 5150428 w 5372101"/>
-              <a:gd name="connsiteY6" fmla="*/ 5472506 h 5513767"/>
-              <a:gd name="connsiteX7" fmla="*/ 5085506 w 5372101"/>
-              <a:gd name="connsiteY7" fmla="*/ 5468851 h 5513767"/>
-              <a:gd name="connsiteX8" fmla="*/ 4968663 w 5372101"/>
-              <a:gd name="connsiteY8" fmla="*/ 5470487 h 5513767"/>
-              <a:gd name="connsiteX9" fmla="*/ 4815623 w 5372101"/>
-              <a:gd name="connsiteY9" fmla="*/ 5458622 h 5513767"/>
-              <a:gd name="connsiteX10" fmla="*/ 4716679 w 5372101"/>
-              <a:gd name="connsiteY10" fmla="*/ 5405365 h 5513767"/>
-              <a:gd name="connsiteX11" fmla="*/ 4704891 w 5372101"/>
-              <a:gd name="connsiteY11" fmla="*/ 5411529 h 5513767"/>
-              <a:gd name="connsiteX12" fmla="*/ 4630496 w 5372101"/>
-              <a:gd name="connsiteY12" fmla="*/ 5396532 h 5513767"/>
-              <a:gd name="connsiteX13" fmla="*/ 4506964 w 5372101"/>
-              <a:gd name="connsiteY13" fmla="*/ 5396685 h 5513767"/>
-              <a:gd name="connsiteX14" fmla="*/ 4427135 w 5372101"/>
-              <a:gd name="connsiteY14" fmla="*/ 5358585 h 5513767"/>
-              <a:gd name="connsiteX15" fmla="*/ 4028338 w 5372101"/>
-              <a:gd name="connsiteY15" fmla="*/ 5313494 h 5513767"/>
-              <a:gd name="connsiteX16" fmla="*/ 4015367 w 5372101"/>
-              <a:gd name="connsiteY16" fmla="*/ 5320766 h 5513767"/>
-              <a:gd name="connsiteX17" fmla="*/ 4002837 w 5372101"/>
-              <a:gd name="connsiteY17" fmla="*/ 5322294 h 5513767"/>
-              <a:gd name="connsiteX18" fmla="*/ 3997650 w 5372101"/>
-              <a:gd name="connsiteY18" fmla="*/ 5329513 h 5513767"/>
-              <a:gd name="connsiteX19" fmla="*/ 3991991 w 5372101"/>
-              <a:gd name="connsiteY19" fmla="*/ 5331908 h 5513767"/>
-              <a:gd name="connsiteX20" fmla="*/ 3925210 w 5372101"/>
-              <a:gd name="connsiteY20" fmla="*/ 5319395 h 5513767"/>
-              <a:gd name="connsiteX21" fmla="*/ 3837014 w 5372101"/>
-              <a:gd name="connsiteY21" fmla="*/ 5289023 h 5513767"/>
-              <a:gd name="connsiteX22" fmla="*/ 3798765 w 5372101"/>
-              <a:gd name="connsiteY22" fmla="*/ 5299431 h 5513767"/>
-              <a:gd name="connsiteX23" fmla="*/ 3792144 w 5372101"/>
-              <a:gd name="connsiteY23" fmla="*/ 5301616 h 5513767"/>
-              <a:gd name="connsiteX24" fmla="*/ 3766249 w 5372101"/>
-              <a:gd name="connsiteY24" fmla="*/ 5301869 h 5513767"/>
-              <a:gd name="connsiteX25" fmla="*/ 3718651 w 5372101"/>
-              <a:gd name="connsiteY25" fmla="*/ 5320541 h 5513767"/>
-              <a:gd name="connsiteX26" fmla="*/ 3671207 w 5372101"/>
-              <a:gd name="connsiteY26" fmla="*/ 5318046 h 5513767"/>
-              <a:gd name="connsiteX27" fmla="*/ 3446863 w 5372101"/>
-              <a:gd name="connsiteY27" fmla="*/ 5294348 h 5513767"/>
-              <a:gd name="connsiteX28" fmla="*/ 3312000 w 5372101"/>
-              <a:gd name="connsiteY28" fmla="*/ 5286923 h 5513767"/>
-              <a:gd name="connsiteX29" fmla="*/ 3259756 w 5372101"/>
-              <a:gd name="connsiteY29" fmla="*/ 5294712 h 5513767"/>
-              <a:gd name="connsiteX30" fmla="*/ 3187481 w 5372101"/>
-              <a:gd name="connsiteY30" fmla="*/ 5298457 h 5513767"/>
-              <a:gd name="connsiteX31" fmla="*/ 3124115 w 5372101"/>
-              <a:gd name="connsiteY31" fmla="*/ 5294626 h 5513767"/>
-              <a:gd name="connsiteX32" fmla="*/ 3099907 w 5372101"/>
-              <a:gd name="connsiteY32" fmla="*/ 5302443 h 5513767"/>
-              <a:gd name="connsiteX33" fmla="*/ 3017494 w 5372101"/>
-              <a:gd name="connsiteY33" fmla="*/ 5301439 h 5513767"/>
-              <a:gd name="connsiteX34" fmla="*/ 3010848 w 5372101"/>
-              <a:gd name="connsiteY34" fmla="*/ 5307225 h 5513767"/>
-              <a:gd name="connsiteX35" fmla="*/ 2994286 w 5372101"/>
-              <a:gd name="connsiteY35" fmla="*/ 5309060 h 5513767"/>
-              <a:gd name="connsiteX36" fmla="*/ 2988160 w 5372101"/>
-              <a:gd name="connsiteY36" fmla="*/ 5310041 h 5513767"/>
-              <a:gd name="connsiteX37" fmla="*/ 2984260 w 5372101"/>
-              <a:gd name="connsiteY37" fmla="*/ 5307528 h 5513767"/>
-              <a:gd name="connsiteX38" fmla="*/ 2979127 w 5372101"/>
-              <a:gd name="connsiteY38" fmla="*/ 5308389 h 5513767"/>
-              <a:gd name="connsiteX39" fmla="*/ 2978660 w 5372101"/>
-              <a:gd name="connsiteY39" fmla="*/ 5311563 h 5513767"/>
-              <a:gd name="connsiteX40" fmla="*/ 2946326 w 5372101"/>
-              <a:gd name="connsiteY40" fmla="*/ 5316745 h 5513767"/>
-              <a:gd name="connsiteX41" fmla="*/ 2713134 w 5372101"/>
-              <a:gd name="connsiteY41" fmla="*/ 5331381 h 5513767"/>
-              <a:gd name="connsiteX42" fmla="*/ 2352072 w 5372101"/>
-              <a:gd name="connsiteY42" fmla="*/ 5342761 h 5513767"/>
-              <a:gd name="connsiteX43" fmla="*/ 2260922 w 5372101"/>
-              <a:gd name="connsiteY43" fmla="*/ 5328122 h 5513767"/>
-              <a:gd name="connsiteX44" fmla="*/ 2178497 w 5372101"/>
-              <a:gd name="connsiteY44" fmla="*/ 5351065 h 5513767"/>
-              <a:gd name="connsiteX45" fmla="*/ 2034408 w 5372101"/>
-              <a:gd name="connsiteY45" fmla="*/ 5307958 h 5513767"/>
-              <a:gd name="connsiteX46" fmla="*/ 1831505 w 5372101"/>
-              <a:gd name="connsiteY46" fmla="*/ 5312691 h 5513767"/>
-              <a:gd name="connsiteX47" fmla="*/ 1710387 w 5372101"/>
-              <a:gd name="connsiteY47" fmla="*/ 5308705 h 5513767"/>
-              <a:gd name="connsiteX48" fmla="*/ 1664816 w 5372101"/>
-              <a:gd name="connsiteY48" fmla="*/ 5296479 h 5513767"/>
-              <a:gd name="connsiteX49" fmla="*/ 1600883 w 5372101"/>
-              <a:gd name="connsiteY49" fmla="*/ 5286607 h 5513767"/>
-              <a:gd name="connsiteX50" fmla="*/ 1488397 w 5372101"/>
-              <a:gd name="connsiteY50" fmla="*/ 5260898 h 5513767"/>
-              <a:gd name="connsiteX51" fmla="*/ 1336670 w 5372101"/>
-              <a:gd name="connsiteY51" fmla="*/ 5240770 h 5513767"/>
-              <a:gd name="connsiteX52" fmla="*/ 1224297 w 5372101"/>
-              <a:gd name="connsiteY52" fmla="*/ 5271845 h 5513767"/>
-              <a:gd name="connsiteX53" fmla="*/ 1214830 w 5372101"/>
-              <a:gd name="connsiteY53" fmla="*/ 5263450 h 5513767"/>
-              <a:gd name="connsiteX54" fmla="*/ 1138181 w 5372101"/>
-              <a:gd name="connsiteY54" fmla="*/ 5262590 h 5513767"/>
-              <a:gd name="connsiteX55" fmla="*/ 943575 w 5372101"/>
-              <a:gd name="connsiteY55" fmla="*/ 5290808 h 5513767"/>
-              <a:gd name="connsiteX56" fmla="*/ 529813 w 5372101"/>
-              <a:gd name="connsiteY56" fmla="*/ 5218555 h 5513767"/>
-              <a:gd name="connsiteX57" fmla="*/ 519546 w 5372101"/>
-              <a:gd name="connsiteY57" fmla="*/ 5208845 h 5513767"/>
-              <a:gd name="connsiteX58" fmla="*/ 507906 w 5372101"/>
-              <a:gd name="connsiteY58" fmla="*/ 5204779 h 5513767"/>
-              <a:gd name="connsiteX59" fmla="*/ 505153 w 5372101"/>
-              <a:gd name="connsiteY59" fmla="*/ 5196726 h 5513767"/>
-              <a:gd name="connsiteX60" fmla="*/ 500429 w 5372101"/>
-              <a:gd name="connsiteY60" fmla="*/ 5193241 h 5513767"/>
-              <a:gd name="connsiteX61" fmla="*/ 431923 w 5372101"/>
-              <a:gd name="connsiteY61" fmla="*/ 5191553 h 5513767"/>
-              <a:gd name="connsiteX62" fmla="*/ 337115 w 5372101"/>
-              <a:gd name="connsiteY62" fmla="*/ 5202714 h 5513767"/>
-              <a:gd name="connsiteX63" fmla="*/ 303383 w 5372101"/>
-              <a:gd name="connsiteY63" fmla="*/ 5184750 h 5513767"/>
-              <a:gd name="connsiteX64" fmla="*/ 297664 w 5372101"/>
-              <a:gd name="connsiteY64" fmla="*/ 5181269 h 5513767"/>
-              <a:gd name="connsiteX65" fmla="*/ 272701 w 5372101"/>
-              <a:gd name="connsiteY65" fmla="*/ 5175678 h 5513767"/>
-              <a:gd name="connsiteX66" fmla="*/ 268242 w 5372101"/>
-              <a:gd name="connsiteY66" fmla="*/ 5163678 h 5513767"/>
-              <a:gd name="connsiteX67" fmla="*/ 232517 w 5372101"/>
-              <a:gd name="connsiteY67" fmla="*/ 5147792 h 5513767"/>
-              <a:gd name="connsiteX68" fmla="*/ 185851 w 5372101"/>
-              <a:gd name="connsiteY68" fmla="*/ 5140408 h 5513767"/>
-              <a:gd name="connsiteX69" fmla="*/ 20337 w 5372101"/>
-              <a:gd name="connsiteY69" fmla="*/ 5113040 h 5513767"/>
-              <a:gd name="connsiteX70" fmla="*/ 0 w 5372101"/>
-              <a:gd name="connsiteY70" fmla="*/ 5112243 h 5513767"/>
-            </a:gdLst>
-            <a:ahLst/>
-            <a:cxnLst>
-              <a:cxn ang="0">
-                <a:pos x="connsiteX0" y="connsiteY0"/>
-              </a:cxn>
-              <a:cxn ang="0">
-                <a:pos x="connsiteX1" y="connsiteY1"/>
-              </a:cxn>
-              <a:cxn ang="0">
-                <a:pos x="connsiteX2" y="connsiteY2"/>
-              </a:cxn>
-              <a:cxn ang="0">
-                <a:pos x="connsiteX3" y="connsiteY3"/>
-              </a:cxn>
-              <a:cxn ang="0">
-                <a:pos x="connsiteX4" y="connsiteY4"/>
-              </a:cxn>
-              <a:cxn ang="0">
-                <a:pos x="connsiteX5" y="connsiteY5"/>
-              </a:cxn>
-              <a:cxn ang="0">
-                <a:pos x="connsiteX6" y="connsiteY6"/>
-              </a:cxn>
-              <a:cxn ang="0">
-                <a:pos x="connsiteX7" y="connsiteY7"/>
-              </a:cxn>
-              <a:cxn ang="0">
-                <a:pos x="connsiteX8" y="connsiteY8"/>
-              </a:cxn>
-              <a:cxn ang="0">
-                <a:pos x="connsiteX9" y="connsiteY9"/>
-              </a:cxn>
-              <a:cxn ang="0">
-                <a:pos x="connsiteX10" y="connsiteY10"/>
-              </a:cxn>
-              <a:cxn ang="0">
-                <a:pos x="connsiteX11" y="connsiteY11"/>
-              </a:cxn>
-              <a:cxn ang="0">
-                <a:pos x="connsiteX12" y="connsiteY12"/>
-              </a:cxn>
-              <a:cxn ang="0">
-                <a:pos x="connsiteX13" y="connsiteY13"/>
-              </a:cxn>
-              <a:cxn ang="0">
-                <a:pos x="connsiteX14" y="connsiteY14"/>
-              </a:cxn>
-              <a:cxn ang="0">
-                <a:pos x="connsiteX15" y="connsiteY15"/>
-              </a:cxn>
-              <a:cxn ang="0">
-                <a:pos x="connsiteX16" y="connsiteY16"/>
-              </a:cxn>
-              <a:cxn ang="0">
-                <a:pos x="connsiteX17" y="connsiteY17"/>
-              </a:cxn>
-              <a:cxn ang="0">
-                <a:pos x="connsiteX18" y="connsiteY18"/>
-              </a:cxn>
-              <a:cxn ang="0">
-                <a:pos x="connsiteX19" y="connsiteY19"/>
-              </a:cxn>
-              <a:cxn ang="0">
-                <a:pos x="connsiteX20" y="connsiteY20"/>
-              </a:cxn>
-              <a:cxn ang="0">
-                <a:pos x="connsiteX21" y="connsiteY21"/>
-              </a:cxn>
-              <a:cxn ang="0">
-                <a:pos x="connsiteX22" y="connsiteY22"/>
-              </a:cxn>
-              <a:cxn ang="0">
-                <a:pos x="connsiteX23" y="connsiteY23"/>
-              </a:cxn>
-              <a:cxn ang="0">
-                <a:pos x="connsiteX24" y="connsiteY24"/>
-              </a:cxn>
-              <a:cxn ang="0">
-                <a:pos x="connsiteX25" y="connsiteY25"/>
-              </a:cxn>
-              <a:cxn ang="0">
-                <a:pos x="connsiteX26" y="connsiteY26"/>
-              </a:cxn>
-              <a:cxn ang="0">
-                <a:pos x="connsiteX27" y="connsiteY27"/>
-              </a:cxn>
-              <a:cxn ang="0">
-                <a:pos x="connsiteX28" y="connsiteY28"/>
-              </a:cxn>
-              <a:cxn ang="0">
-                <a:pos x="connsiteX29" y="connsiteY29"/>
-              </a:cxn>
-              <a:cxn ang="0">
-                <a:pos x="connsiteX30" y="connsiteY30"/>
-              </a:cxn>
-              <a:cxn ang="0">
-                <a:pos x="connsiteX31" y="connsiteY31"/>
-              </a:cxn>
-              <a:cxn ang="0">
-                <a:pos x="connsiteX32" y="connsiteY32"/>
-              </a:cxn>
-              <a:cxn ang="0">
-                <a:pos x="connsiteX33" y="connsiteY33"/>
-              </a:cxn>
-              <a:cxn ang="0">
-                <a:pos x="connsiteX34" y="connsiteY34"/>
-              </a:cxn>
-              <a:cxn ang="0">
-                <a:pos x="connsiteX35" y="connsiteY35"/>
-              </a:cxn>
-              <a:cxn ang="0">
-                <a:pos x="connsiteX36" y="connsiteY36"/>
-              </a:cxn>
-              <a:cxn ang="0">
-                <a:pos x="connsiteX37" y="connsiteY37"/>
-              </a:cxn>
-              <a:cxn ang="0">
-                <a:pos x="connsiteX38" y="connsiteY38"/>
-              </a:cxn>
-              <a:cxn ang="0">
-                <a:pos x="connsiteX39" y="connsiteY39"/>
-              </a:cxn>
-              <a:cxn ang="0">
-                <a:pos x="connsiteX40" y="connsiteY40"/>
-              </a:cxn>
-              <a:cxn ang="0">
-                <a:pos x="connsiteX41" y="connsiteY41"/>
-              </a:cxn>
-              <a:cxn ang="0">
-                <a:pos x="connsiteX42" y="connsiteY42"/>
-              </a:cxn>
-              <a:cxn ang="0">
-                <a:pos x="connsiteX43" y="connsiteY43"/>
-              </a:cxn>
-              <a:cxn ang="0">
-                <a:pos x="connsiteX44" y="connsiteY44"/>
-              </a:cxn>
-              <a:cxn ang="0">
-                <a:pos x="connsiteX45" y="connsiteY45"/>
-              </a:cxn>
-              <a:cxn ang="0">
-                <a:pos x="connsiteX46" y="connsiteY46"/>
-              </a:cxn>
-              <a:cxn ang="0">
-                <a:pos x="connsiteX47" y="connsiteY47"/>
-              </a:cxn>
-              <a:cxn ang="0">
-                <a:pos x="connsiteX48" y="connsiteY48"/>
-              </a:cxn>
-              <a:cxn ang="0">
-                <a:pos x="connsiteX49" y="connsiteY49"/>
-              </a:cxn>
-              <a:cxn ang="0">
-                <a:pos x="connsiteX50" y="connsiteY50"/>
-              </a:cxn>
-              <a:cxn ang="0">
-                <a:pos x="connsiteX51" y="connsiteY51"/>
-              </a:cxn>
-              <a:cxn ang="0">
-                <a:pos x="connsiteX52" y="connsiteY52"/>
-              </a:cxn>
-              <a:cxn ang="0">
-                <a:pos x="connsiteX53" y="connsiteY53"/>
-              </a:cxn>
-              <a:cxn ang="0">
-                <a:pos x="connsiteX54" y="connsiteY54"/>
-              </a:cxn>
-              <a:cxn ang="0">
-                <a:pos x="connsiteX55" y="connsiteY55"/>
-              </a:cxn>
-              <a:cxn ang="0">
-                <a:pos x="connsiteX56" y="connsiteY56"/>
-              </a:cxn>
-              <a:cxn ang="0">
-                <a:pos x="connsiteX57" y="connsiteY57"/>
-              </a:cxn>
-              <a:cxn ang="0">
-                <a:pos x="connsiteX58" y="connsiteY58"/>
-              </a:cxn>
-              <a:cxn ang="0">
-                <a:pos x="connsiteX59" y="connsiteY59"/>
-              </a:cxn>
-              <a:cxn ang="0">
-                <a:pos x="connsiteX60" y="connsiteY60"/>
-              </a:cxn>
-              <a:cxn ang="0">
-                <a:pos x="connsiteX61" y="connsiteY61"/>
-              </a:cxn>
-              <a:cxn ang="0">
-                <a:pos x="connsiteX62" y="connsiteY62"/>
-              </a:cxn>
-              <a:cxn ang="0">
-                <a:pos x="connsiteX63" y="connsiteY63"/>
-              </a:cxn>
-              <a:cxn ang="0">
-                <a:pos x="connsiteX64" y="connsiteY64"/>
-              </a:cxn>
-              <a:cxn ang="0">
-                <a:pos x="connsiteX65" y="connsiteY65"/>
-              </a:cxn>
-              <a:cxn ang="0">
-                <a:pos x="connsiteX66" y="connsiteY66"/>
-              </a:cxn>
-              <a:cxn ang="0">
-                <a:pos x="connsiteX67" y="connsiteY67"/>
-              </a:cxn>
-              <a:cxn ang="0">
-                <a:pos x="connsiteX68" y="connsiteY68"/>
-              </a:cxn>
-              <a:cxn ang="0">
-                <a:pos x="connsiteX69" y="connsiteY69"/>
-              </a:cxn>
-              <a:cxn ang="0">
-                <a:pos x="connsiteX70" y="connsiteY70"/>
-              </a:cxn>
-            </a:cxnLst>
-            <a:rect l="l" t="t" r="r" b="b"/>
-            <a:pathLst>
-              <a:path w="5372101" h="5513767">
-                <a:moveTo>
-                  <a:pt x="0" y="0"/>
-                </a:moveTo>
-                <a:lnTo>
-                  <a:pt x="5372101" y="0"/>
-                </a:lnTo>
-                <a:lnTo>
-                  <a:pt x="5372101" y="5513767"/>
-                </a:lnTo>
-                <a:lnTo>
-                  <a:pt x="5363126" y="5512835"/>
-                </a:lnTo>
-                <a:cubicBezTo>
-                  <a:pt x="5345779" y="5509071"/>
-                  <a:pt x="5329767" y="5502649"/>
-                  <a:pt x="5316714" y="5491247"/>
-                </a:cubicBezTo>
-                <a:cubicBezTo>
-                  <a:pt x="5295689" y="5478131"/>
-                  <a:pt x="5219502" y="5459909"/>
-                  <a:pt x="5198331" y="5470092"/>
-                </a:cubicBezTo>
-                <a:cubicBezTo>
-                  <a:pt x="5181052" y="5469102"/>
-                  <a:pt x="5165047" y="5459569"/>
-                  <a:pt x="5150428" y="5472506"/>
-                </a:cubicBezTo>
-                <a:cubicBezTo>
-                  <a:pt x="5129562" y="5487248"/>
-                  <a:pt x="5088050" y="5445894"/>
-                  <a:pt x="5085506" y="5468851"/>
-                </a:cubicBezTo>
-                <a:cubicBezTo>
-                  <a:pt x="5055692" y="5440170"/>
-                  <a:pt x="5006122" y="5469577"/>
-                  <a:pt x="4968663" y="5470487"/>
-                </a:cubicBezTo>
-                <a:cubicBezTo>
-                  <a:pt x="4947085" y="5444049"/>
-                  <a:pt x="4889767" y="5472037"/>
-                  <a:pt x="4815623" y="5458622"/>
-                </a:cubicBezTo>
-                <a:cubicBezTo>
-                  <a:pt x="4792418" y="5428488"/>
-                  <a:pt x="4765548" y="5449887"/>
-                  <a:pt x="4716679" y="5405365"/>
-                </a:cubicBezTo>
-                <a:cubicBezTo>
-                  <a:pt x="4713235" y="5407807"/>
-                  <a:pt x="4709266" y="5409883"/>
-                  <a:pt x="4704891" y="5411529"/>
-                </a:cubicBezTo>
-                <a:cubicBezTo>
-                  <a:pt x="4679473" y="5421092"/>
-                  <a:pt x="4646164" y="5414379"/>
-                  <a:pt x="4630496" y="5396532"/>
-                </a:cubicBezTo>
-                <a:cubicBezTo>
-                  <a:pt x="4590205" y="5365061"/>
-                  <a:pt x="4548419" y="5412094"/>
-                  <a:pt x="4506964" y="5396685"/>
-                </a:cubicBezTo>
-                <a:lnTo>
-                  <a:pt x="4427135" y="5358585"/>
-                </a:lnTo>
-                <a:cubicBezTo>
-                  <a:pt x="4319267" y="5308575"/>
-                  <a:pt x="4152341" y="5340956"/>
-                  <a:pt x="4028338" y="5313494"/>
-                </a:cubicBezTo>
-                <a:lnTo>
-                  <a:pt x="4015367" y="5320766"/>
-                </a:lnTo>
-                <a:lnTo>
-                  <a:pt x="4002837" y="5322294"/>
-                </a:lnTo>
-                <a:lnTo>
-                  <a:pt x="3997650" y="5329513"/>
-                </a:lnTo>
-                <a:lnTo>
-                  <a:pt x="3991991" y="5331908"/>
-                </a:lnTo>
-                <a:cubicBezTo>
-                  <a:pt x="3969659" y="5338581"/>
-                  <a:pt x="3978880" y="5316131"/>
-                  <a:pt x="3925210" y="5319395"/>
-                </a:cubicBezTo>
-                <a:cubicBezTo>
-                  <a:pt x="3947765" y="5277139"/>
-                  <a:pt x="3837331" y="5338342"/>
-                  <a:pt x="3837014" y="5289023"/>
-                </a:cubicBezTo>
-                <a:cubicBezTo>
-                  <a:pt x="3824001" y="5291376"/>
-                  <a:pt x="3811407" y="5295212"/>
-                  <a:pt x="3798765" y="5299431"/>
-                </a:cubicBezTo>
-                <a:lnTo>
-                  <a:pt x="3792144" y="5301616"/>
-                </a:lnTo>
-                <a:lnTo>
-                  <a:pt x="3766249" y="5301869"/>
-                </a:lnTo>
-                <a:lnTo>
-                  <a:pt x="3718651" y="5320541"/>
-                </a:lnTo>
-                <a:cubicBezTo>
-                  <a:pt x="3703968" y="5321892"/>
-                  <a:pt x="3688308" y="5321427"/>
-                  <a:pt x="3671207" y="5318046"/>
-                </a:cubicBezTo>
-                <a:cubicBezTo>
-                  <a:pt x="3616458" y="5288532"/>
-                  <a:pt x="3514048" y="5333307"/>
-                  <a:pt x="3446863" y="5294348"/>
-                </a:cubicBezTo>
-                <a:cubicBezTo>
-                  <a:pt x="3420930" y="5283822"/>
-                  <a:pt x="3333157" y="5274511"/>
-                  <a:pt x="3312000" y="5286923"/>
-                </a:cubicBezTo>
-                <a:cubicBezTo>
-                  <a:pt x="3292759" y="5287903"/>
-                  <a:pt x="3273112" y="5280334"/>
-                  <a:pt x="3259756" y="5294712"/>
-                </a:cubicBezTo>
-                <a:cubicBezTo>
-                  <a:pt x="3239905" y="5311572"/>
-                  <a:pt x="3185410" y="5275588"/>
-                  <a:pt x="3187481" y="5298457"/>
-                </a:cubicBezTo>
-                <a:cubicBezTo>
-                  <a:pt x="3168018" y="5286036"/>
-                  <a:pt x="3146200" y="5288458"/>
-                  <a:pt x="3124115" y="5294626"/>
-                </a:cubicBezTo>
-                <a:lnTo>
-                  <a:pt x="3099907" y="5302443"/>
-                </a:lnTo>
-                <a:lnTo>
-                  <a:pt x="3017494" y="5301439"/>
-                </a:lnTo>
-                <a:lnTo>
-                  <a:pt x="3010848" y="5307225"/>
-                </a:lnTo>
-                <a:lnTo>
-                  <a:pt x="2994286" y="5309060"/>
-                </a:lnTo>
-                <a:lnTo>
-                  <a:pt x="2988160" y="5310041"/>
-                </a:lnTo>
-                <a:lnTo>
-                  <a:pt x="2984260" y="5307528"/>
-                </a:lnTo>
-                <a:cubicBezTo>
-                  <a:pt x="2981957" y="5306419"/>
-                  <a:pt x="2980273" y="5306402"/>
-                  <a:pt x="2979127" y="5308389"/>
-                </a:cubicBezTo>
-                <a:cubicBezTo>
-                  <a:pt x="2978971" y="5309447"/>
-                  <a:pt x="2978816" y="5310505"/>
-                  <a:pt x="2978660" y="5311563"/>
-                </a:cubicBezTo>
-                <a:lnTo>
-                  <a:pt x="2946326" y="5316745"/>
-                </a:lnTo>
-                <a:lnTo>
-                  <a:pt x="2713134" y="5331381"/>
-                </a:lnTo>
-                <a:cubicBezTo>
-                  <a:pt x="2610698" y="5372328"/>
-                  <a:pt x="2466037" y="5325762"/>
-                  <a:pt x="2352072" y="5342761"/>
-                </a:cubicBezTo>
-                <a:cubicBezTo>
-                  <a:pt x="2293501" y="5293708"/>
-                  <a:pt x="2324138" y="5338538"/>
-                  <a:pt x="2260922" y="5328122"/>
-                </a:cubicBezTo>
-                <a:cubicBezTo>
-                  <a:pt x="2275681" y="5372347"/>
-                  <a:pt x="2185007" y="5301703"/>
-                  <a:pt x="2178497" y="5351065"/>
-                </a:cubicBezTo>
-                <a:cubicBezTo>
-                  <a:pt x="2133294" y="5337229"/>
-                  <a:pt x="2097074" y="5300208"/>
-                  <a:pt x="2034408" y="5307958"/>
-                </a:cubicBezTo>
-                <a:cubicBezTo>
-                  <a:pt x="1981894" y="5332879"/>
-                  <a:pt x="1896288" y="5279365"/>
-                  <a:pt x="1831505" y="5312691"/>
-                </a:cubicBezTo>
-                <a:cubicBezTo>
-                  <a:pt x="1807063" y="5321035"/>
-                  <a:pt x="1727674" y="5322925"/>
-                  <a:pt x="1710387" y="5308705"/>
-                </a:cubicBezTo>
-                <a:cubicBezTo>
-                  <a:pt x="1693367" y="5306094"/>
-                  <a:pt x="1674901" y="5312009"/>
-                  <a:pt x="1664816" y="5296479"/>
-                </a:cubicBezTo>
-                <a:cubicBezTo>
-                  <a:pt x="1649255" y="5277912"/>
-                  <a:pt x="1596152" y="5309335"/>
-                  <a:pt x="1600883" y="5286607"/>
-                </a:cubicBezTo>
-                <a:cubicBezTo>
-                  <a:pt x="1563066" y="5308189"/>
-                  <a:pt x="1524339" y="5269513"/>
-                  <a:pt x="1488397" y="5260898"/>
-                </a:cubicBezTo>
-                <a:cubicBezTo>
-                  <a:pt x="1459246" y="5282011"/>
-                  <a:pt x="1412580" y="5243108"/>
-                  <a:pt x="1336670" y="5240770"/>
-                </a:cubicBezTo>
-                <a:cubicBezTo>
-                  <a:pt x="1304792" y="5265122"/>
-                  <a:pt x="1285508" y="5238878"/>
-                  <a:pt x="1224297" y="5271845"/>
-                </a:cubicBezTo>
-                <a:cubicBezTo>
-                  <a:pt x="1221731" y="5268771"/>
-                  <a:pt x="1218543" y="5265944"/>
-                  <a:pt x="1214830" y="5263450"/>
-                </a:cubicBezTo>
-                <a:cubicBezTo>
-                  <a:pt x="1193241" y="5248952"/>
-                  <a:pt x="1158925" y="5248567"/>
-                  <a:pt x="1138181" y="5262590"/>
-                </a:cubicBezTo>
-                <a:lnTo>
-                  <a:pt x="943575" y="5290808"/>
-                </a:lnTo>
-                <a:cubicBezTo>
-                  <a:pt x="823587" y="5316899"/>
-                  <a:pt x="658340" y="5217603"/>
-                  <a:pt x="529813" y="5218555"/>
-                </a:cubicBezTo>
-                <a:lnTo>
-                  <a:pt x="519546" y="5208845"/>
-                </a:lnTo>
-                <a:lnTo>
-                  <a:pt x="507906" y="5204779"/>
-                </a:lnTo>
-                <a:lnTo>
-                  <a:pt x="505153" y="5196726"/>
-                </a:lnTo>
-                <a:lnTo>
-                  <a:pt x="500429" y="5193241"/>
-                </a:lnTo>
-                <a:cubicBezTo>
-                  <a:pt x="480923" y="5182176"/>
-                  <a:pt x="482807" y="5205793"/>
-                  <a:pt x="431923" y="5191553"/>
-                </a:cubicBezTo>
-                <a:cubicBezTo>
-                  <a:pt x="440499" y="5237077"/>
-                  <a:pt x="352872" y="5155083"/>
-                  <a:pt x="337115" y="5202714"/>
-                </a:cubicBezTo>
-                <a:cubicBezTo>
-                  <a:pt x="325265" y="5197752"/>
-                  <a:pt x="314288" y="5191441"/>
-                  <a:pt x="303383" y="5184750"/>
-                </a:cubicBezTo>
-                <a:lnTo>
-                  <a:pt x="297664" y="5181269"/>
-                </a:lnTo>
-                <a:lnTo>
-                  <a:pt x="272701" y="5175678"/>
-                </a:lnTo>
-                <a:lnTo>
-                  <a:pt x="268242" y="5163678"/>
-                </a:lnTo>
-                <a:lnTo>
-                  <a:pt x="232517" y="5147792"/>
-                </a:lnTo>
-                <a:cubicBezTo>
-                  <a:pt x="218741" y="5143453"/>
-                  <a:pt x="203450" y="5140668"/>
-                  <a:pt x="185851" y="5140408"/>
-                </a:cubicBezTo>
-                <a:cubicBezTo>
-                  <a:pt x="139207" y="5153337"/>
-                  <a:pt x="79723" y="5120316"/>
-                  <a:pt x="20337" y="5113040"/>
-                </a:cubicBezTo>
-                <a:lnTo>
-                  <a:pt x="0" y="5112243"/>
-                </a:lnTo>
-                <a:close/>
-              </a:path>
-            </a:pathLst>
-          </a:custGeom>
-          <a:ln>
-            <a:noFill/>
-          </a:ln>
-          <a:effectLst>
-            <a:outerShdw blurRad="25400" dist="12700" dir="3000000" algn="tl" rotWithShape="0">
-              <a:prstClr val="black">
-                <a:alpha val="27000"/>
-              </a:prstClr>
-            </a:outerShdw>
-          </a:effectLst>
-        </p:spPr>
-        <p:style>
-          <a:lnRef idx="2">
-            <a:schemeClr val="accent1">
-              <a:shade val="50000"/>
-            </a:schemeClr>
-          </a:lnRef>
-          <a:fillRef idx="1">
-            <a:schemeClr val="accent1"/>
-          </a:fillRef>
-          <a:effectRef idx="0">
-            <a:schemeClr val="accent1"/>
-          </a:effectRef>
-          <a:fontRef idx="minor">
-            <a:schemeClr val="lt1"/>
-          </a:fontRef>
-        </p:style>
-        <p:txBody>
-          <a:bodyPr wrap="square" rtlCol="0" anchor="ctr">
-            <a:noAutofit/>
-          </a:bodyPr>
-          <a:lstStyle/>
-          <a:p>
-            <a:pPr algn="ctr"/>
-            <a:endParaRPr lang="en-US" dirty="0"/>
-          </a:p>
-        </p:txBody>
-      </p:sp>
-      <p:sp>
-        <p:nvSpPr>
-          <p:cNvPr id="2" name="Title 1">
-            <a:extLst>
-              <a:ext uri="{FF2B5EF4-FFF2-40B4-BE49-F238E27FC236}">
-                <a16:creationId xmlns:a16="http://schemas.microsoft.com/office/drawing/2014/main" id="{AB166277-0E9B-A1DC-4057-FFF7E204B8D9}"/>
-              </a:ext>
-            </a:extLst>
-          </p:cNvPr>
-          <p:cNvSpPr>
-            <a:spLocks noGrp="1"/>
-          </p:cNvSpPr>
-          <p:nvPr>
-            <p:ph type="title"/>
-          </p:nvPr>
-        </p:nvSpPr>
-        <p:spPr>
-          <a:xfrm>
-            <a:off x="1037809" y="1071350"/>
-            <a:ext cx="4775162" cy="1339382"/>
-          </a:xfrm>
-        </p:spPr>
-        <p:txBody>
-          <a:bodyPr>
-            <a:normAutofit/>
-          </a:bodyPr>
-          <a:lstStyle/>
-          <a:p>
-            <a:pPr algn="ctr"/>
-            <a:r>
-              <a:rPr lang="en-GR" sz="3600"/>
-              <a:t>What is IDE</a:t>
-            </a:r>
-          </a:p>
-        </p:txBody>
-      </p:sp>
-      <p:sp>
-        <p:nvSpPr>
-          <p:cNvPr id="13" name="Rectangle 6">
-            <a:extLst>
-              <a:ext uri="{FF2B5EF4-FFF2-40B4-BE49-F238E27FC236}">
-                <a16:creationId xmlns:a16="http://schemas.microsoft.com/office/drawing/2014/main" id="{F0C518C2-0AA4-470C-87B9-9CBF428FBA25}"/>
-              </a:ext>
-              <a:ext uri="{C183D7F6-B498-43B3-948B-1728B52AA6E4}">
-                <adec:decorative xmlns:adec="http://schemas.microsoft.com/office/drawing/2017/decorative" val="1"/>
-              </a:ext>
-            </a:extLst>
-          </p:cNvPr>
-          <p:cNvSpPr>
-            <a:spLocks noGrp="1" noRot="1" noChangeAspect="1" noMove="1" noResize="1" noEditPoints="1" noAdjustHandles="1" noChangeArrowheads="1" noChangeShapeType="1" noTextEdit="1"/>
-          </p:cNvSpPr>
-          <p:nvPr>
-            <p:extLst>
-              <p:ext uri="{386F3935-93C4-4BCD-93E2-E3B085C9AB24}">
-                <p16:designElem xmlns:p16="http://schemas.microsoft.com/office/powerpoint/2015/main" val="1"/>
-              </p:ext>
-            </p:extLst>
-          </p:nvPr>
-        </p:nvSpPr>
-        <p:spPr>
-          <a:xfrm>
-            <a:off x="2564666" y="399531"/>
-            <a:ext cx="1707751" cy="428984"/>
-          </a:xfrm>
-          <a:custGeom>
-            <a:avLst/>
-            <a:gdLst>
-              <a:gd name="connsiteX0" fmla="*/ 0 w 2142503"/>
-              <a:gd name="connsiteY0" fmla="*/ 0 h 571500"/>
-              <a:gd name="connsiteX1" fmla="*/ 2142503 w 2142503"/>
-              <a:gd name="connsiteY1" fmla="*/ 0 h 571500"/>
-              <a:gd name="connsiteX2" fmla="*/ 2142503 w 2142503"/>
-              <a:gd name="connsiteY2" fmla="*/ 571500 h 571500"/>
-              <a:gd name="connsiteX3" fmla="*/ 0 w 2142503"/>
-              <a:gd name="connsiteY3" fmla="*/ 571500 h 571500"/>
-              <a:gd name="connsiteX4" fmla="*/ 0 w 2142503"/>
-              <a:gd name="connsiteY4" fmla="*/ 0 h 571500"/>
-              <a:gd name="connsiteX0" fmla="*/ 0 w 2142503"/>
-              <a:gd name="connsiteY0" fmla="*/ 0 h 582145"/>
-              <a:gd name="connsiteX1" fmla="*/ 2142503 w 2142503"/>
-              <a:gd name="connsiteY1" fmla="*/ 0 h 582145"/>
-              <a:gd name="connsiteX2" fmla="*/ 2142503 w 2142503"/>
-              <a:gd name="connsiteY2" fmla="*/ 571500 h 582145"/>
-              <a:gd name="connsiteX3" fmla="*/ 2050917 w 2142503"/>
-              <a:gd name="connsiteY3" fmla="*/ 582088 h 582145"/>
-              <a:gd name="connsiteX4" fmla="*/ 0 w 2142503"/>
-              <a:gd name="connsiteY4" fmla="*/ 571500 h 582145"/>
-              <a:gd name="connsiteX5" fmla="*/ 0 w 2142503"/>
-              <a:gd name="connsiteY5" fmla="*/ 0 h 582145"/>
-              <a:gd name="connsiteX0" fmla="*/ 0 w 2159832"/>
-              <a:gd name="connsiteY0" fmla="*/ 0 h 582145"/>
-              <a:gd name="connsiteX1" fmla="*/ 2142503 w 2159832"/>
-              <a:gd name="connsiteY1" fmla="*/ 0 h 582145"/>
-              <a:gd name="connsiteX2" fmla="*/ 2159829 w 2159832"/>
-              <a:gd name="connsiteY2" fmla="*/ 96526 h 582145"/>
-              <a:gd name="connsiteX3" fmla="*/ 2142503 w 2159832"/>
-              <a:gd name="connsiteY3" fmla="*/ 571500 h 582145"/>
-              <a:gd name="connsiteX4" fmla="*/ 2050917 w 2159832"/>
-              <a:gd name="connsiteY4" fmla="*/ 582088 h 582145"/>
-              <a:gd name="connsiteX5" fmla="*/ 0 w 2159832"/>
-              <a:gd name="connsiteY5" fmla="*/ 571500 h 582145"/>
-              <a:gd name="connsiteX6" fmla="*/ 0 w 2159832"/>
-              <a:gd name="connsiteY6" fmla="*/ 0 h 582145"/>
-              <a:gd name="connsiteX0" fmla="*/ 0 w 2159832"/>
-              <a:gd name="connsiteY0" fmla="*/ 12386 h 594531"/>
-              <a:gd name="connsiteX1" fmla="*/ 67826 w 2159832"/>
-              <a:gd name="connsiteY1" fmla="*/ 0 h 594531"/>
-              <a:gd name="connsiteX2" fmla="*/ 2142503 w 2159832"/>
-              <a:gd name="connsiteY2" fmla="*/ 12386 h 594531"/>
-              <a:gd name="connsiteX3" fmla="*/ 2159829 w 2159832"/>
-              <a:gd name="connsiteY3" fmla="*/ 108912 h 594531"/>
-              <a:gd name="connsiteX4" fmla="*/ 2142503 w 2159832"/>
-              <a:gd name="connsiteY4" fmla="*/ 583886 h 594531"/>
-              <a:gd name="connsiteX5" fmla="*/ 2050917 w 2159832"/>
-              <a:gd name="connsiteY5" fmla="*/ 594474 h 594531"/>
-              <a:gd name="connsiteX6" fmla="*/ 0 w 2159832"/>
-              <a:gd name="connsiteY6" fmla="*/ 583886 h 594531"/>
-              <a:gd name="connsiteX7" fmla="*/ 0 w 2159832"/>
-              <a:gd name="connsiteY7" fmla="*/ 12386 h 594531"/>
-              <a:gd name="connsiteX0" fmla="*/ 0 w 2168908"/>
-              <a:gd name="connsiteY0" fmla="*/ 26000 h 594531"/>
-              <a:gd name="connsiteX1" fmla="*/ 76902 w 2168908"/>
-              <a:gd name="connsiteY1" fmla="*/ 0 h 594531"/>
-              <a:gd name="connsiteX2" fmla="*/ 2151579 w 2168908"/>
-              <a:gd name="connsiteY2" fmla="*/ 12386 h 594531"/>
-              <a:gd name="connsiteX3" fmla="*/ 2168905 w 2168908"/>
-              <a:gd name="connsiteY3" fmla="*/ 108912 h 594531"/>
-              <a:gd name="connsiteX4" fmla="*/ 2151579 w 2168908"/>
-              <a:gd name="connsiteY4" fmla="*/ 583886 h 594531"/>
-              <a:gd name="connsiteX5" fmla="*/ 2059993 w 2168908"/>
-              <a:gd name="connsiteY5" fmla="*/ 594474 h 594531"/>
-              <a:gd name="connsiteX6" fmla="*/ 9076 w 2168908"/>
-              <a:gd name="connsiteY6" fmla="*/ 583886 h 594531"/>
-              <a:gd name="connsiteX7" fmla="*/ 0 w 2168908"/>
-              <a:gd name="connsiteY7" fmla="*/ 26000 h 594531"/>
-              <a:gd name="connsiteX0" fmla="*/ 5393 w 2174301"/>
-              <a:gd name="connsiteY0" fmla="*/ 26000 h 594531"/>
-              <a:gd name="connsiteX1" fmla="*/ 82295 w 2174301"/>
-              <a:gd name="connsiteY1" fmla="*/ 0 h 594531"/>
-              <a:gd name="connsiteX2" fmla="*/ 2156972 w 2174301"/>
-              <a:gd name="connsiteY2" fmla="*/ 12386 h 594531"/>
-              <a:gd name="connsiteX3" fmla="*/ 2174298 w 2174301"/>
-              <a:gd name="connsiteY3" fmla="*/ 108912 h 594531"/>
-              <a:gd name="connsiteX4" fmla="*/ 2156972 w 2174301"/>
-              <a:gd name="connsiteY4" fmla="*/ 583886 h 594531"/>
-              <a:gd name="connsiteX5" fmla="*/ 2065386 w 2174301"/>
-              <a:gd name="connsiteY5" fmla="*/ 594474 h 594531"/>
-              <a:gd name="connsiteX6" fmla="*/ 14469 w 2174301"/>
-              <a:gd name="connsiteY6" fmla="*/ 583886 h 594531"/>
-              <a:gd name="connsiteX7" fmla="*/ 5393 w 2174301"/>
-              <a:gd name="connsiteY7" fmla="*/ 26000 h 594531"/>
-              <a:gd name="connsiteX0" fmla="*/ 5393 w 2174301"/>
-              <a:gd name="connsiteY0" fmla="*/ 26000 h 594531"/>
-              <a:gd name="connsiteX1" fmla="*/ 82295 w 2174301"/>
-              <a:gd name="connsiteY1" fmla="*/ 0 h 594531"/>
-              <a:gd name="connsiteX2" fmla="*/ 2156972 w 2174301"/>
-              <a:gd name="connsiteY2" fmla="*/ 12386 h 594531"/>
-              <a:gd name="connsiteX3" fmla="*/ 2174298 w 2174301"/>
-              <a:gd name="connsiteY3" fmla="*/ 108912 h 594531"/>
-              <a:gd name="connsiteX4" fmla="*/ 2156972 w 2174301"/>
-              <a:gd name="connsiteY4" fmla="*/ 583886 h 594531"/>
-              <a:gd name="connsiteX5" fmla="*/ 2065386 w 2174301"/>
-              <a:gd name="connsiteY5" fmla="*/ 594474 h 594531"/>
-              <a:gd name="connsiteX6" fmla="*/ 14469 w 2174301"/>
-              <a:gd name="connsiteY6" fmla="*/ 583886 h 594531"/>
-              <a:gd name="connsiteX7" fmla="*/ 5393 w 2174301"/>
-              <a:gd name="connsiteY7" fmla="*/ 26000 h 594531"/>
-              <a:gd name="connsiteX0" fmla="*/ 5393 w 2174301"/>
-              <a:gd name="connsiteY0" fmla="*/ 26000 h 594531"/>
-              <a:gd name="connsiteX1" fmla="*/ 82295 w 2174301"/>
-              <a:gd name="connsiteY1" fmla="*/ 0 h 594531"/>
-              <a:gd name="connsiteX2" fmla="*/ 2156972 w 2174301"/>
-              <a:gd name="connsiteY2" fmla="*/ 12386 h 594531"/>
-              <a:gd name="connsiteX3" fmla="*/ 2174298 w 2174301"/>
-              <a:gd name="connsiteY3" fmla="*/ 108912 h 594531"/>
-              <a:gd name="connsiteX4" fmla="*/ 2156972 w 2174301"/>
-              <a:gd name="connsiteY4" fmla="*/ 583886 h 594531"/>
-              <a:gd name="connsiteX5" fmla="*/ 2065386 w 2174301"/>
-              <a:gd name="connsiteY5" fmla="*/ 594474 h 594531"/>
-              <a:gd name="connsiteX6" fmla="*/ 14469 w 2174301"/>
-              <a:gd name="connsiteY6" fmla="*/ 583886 h 594531"/>
-              <a:gd name="connsiteX7" fmla="*/ 5393 w 2174301"/>
-              <a:gd name="connsiteY7" fmla="*/ 26000 h 594531"/>
-              <a:gd name="connsiteX0" fmla="*/ 5393 w 2174301"/>
-              <a:gd name="connsiteY0" fmla="*/ 26000 h 594531"/>
-              <a:gd name="connsiteX1" fmla="*/ 82295 w 2174301"/>
-              <a:gd name="connsiteY1" fmla="*/ 0 h 594531"/>
-              <a:gd name="connsiteX2" fmla="*/ 2156972 w 2174301"/>
-              <a:gd name="connsiteY2" fmla="*/ 12386 h 594531"/>
-              <a:gd name="connsiteX3" fmla="*/ 2174298 w 2174301"/>
-              <a:gd name="connsiteY3" fmla="*/ 108912 h 594531"/>
-              <a:gd name="connsiteX4" fmla="*/ 2156972 w 2174301"/>
-              <a:gd name="connsiteY4" fmla="*/ 583886 h 594531"/>
-              <a:gd name="connsiteX5" fmla="*/ 2065386 w 2174301"/>
-              <a:gd name="connsiteY5" fmla="*/ 594474 h 594531"/>
-              <a:gd name="connsiteX6" fmla="*/ 14469 w 2174301"/>
-              <a:gd name="connsiteY6" fmla="*/ 583886 h 594531"/>
-              <a:gd name="connsiteX7" fmla="*/ 5393 w 2174301"/>
-              <a:gd name="connsiteY7" fmla="*/ 26000 h 594531"/>
-              <a:gd name="connsiteX0" fmla="*/ 147197 w 2316105"/>
-              <a:gd name="connsiteY0" fmla="*/ 26000 h 594531"/>
-              <a:gd name="connsiteX1" fmla="*/ 224099 w 2316105"/>
-              <a:gd name="connsiteY1" fmla="*/ 0 h 594531"/>
-              <a:gd name="connsiteX2" fmla="*/ 2298776 w 2316105"/>
-              <a:gd name="connsiteY2" fmla="*/ 12386 h 594531"/>
-              <a:gd name="connsiteX3" fmla="*/ 2316102 w 2316105"/>
-              <a:gd name="connsiteY3" fmla="*/ 108912 h 594531"/>
-              <a:gd name="connsiteX4" fmla="*/ 2298776 w 2316105"/>
-              <a:gd name="connsiteY4" fmla="*/ 583886 h 594531"/>
-              <a:gd name="connsiteX5" fmla="*/ 2207190 w 2316105"/>
-              <a:gd name="connsiteY5" fmla="*/ 594474 h 594531"/>
-              <a:gd name="connsiteX6" fmla="*/ 156273 w 2316105"/>
-              <a:gd name="connsiteY6" fmla="*/ 583886 h 594531"/>
-              <a:gd name="connsiteX7" fmla="*/ 142416 w 2316105"/>
-              <a:gd name="connsiteY7" fmla="*/ 235975 h 594531"/>
-              <a:gd name="connsiteX8" fmla="*/ 147197 w 2316105"/>
-              <a:gd name="connsiteY8" fmla="*/ 26000 h 594531"/>
-              <a:gd name="connsiteX0" fmla="*/ 154684 w 2323592"/>
-              <a:gd name="connsiteY0" fmla="*/ 26000 h 594531"/>
-              <a:gd name="connsiteX1" fmla="*/ 231586 w 2323592"/>
-              <a:gd name="connsiteY1" fmla="*/ 0 h 594531"/>
-              <a:gd name="connsiteX2" fmla="*/ 2306263 w 2323592"/>
-              <a:gd name="connsiteY2" fmla="*/ 12386 h 594531"/>
-              <a:gd name="connsiteX3" fmla="*/ 2323589 w 2323592"/>
-              <a:gd name="connsiteY3" fmla="*/ 108912 h 594531"/>
-              <a:gd name="connsiteX4" fmla="*/ 2306263 w 2323592"/>
-              <a:gd name="connsiteY4" fmla="*/ 583886 h 594531"/>
-              <a:gd name="connsiteX5" fmla="*/ 2214677 w 2323592"/>
-              <a:gd name="connsiteY5" fmla="*/ 594474 h 594531"/>
-              <a:gd name="connsiteX6" fmla="*/ 163760 w 2323592"/>
-              <a:gd name="connsiteY6" fmla="*/ 583886 h 594531"/>
-              <a:gd name="connsiteX7" fmla="*/ 158979 w 2323592"/>
-              <a:gd name="connsiteY7" fmla="*/ 403879 h 594531"/>
-              <a:gd name="connsiteX8" fmla="*/ 149903 w 2323592"/>
-              <a:gd name="connsiteY8" fmla="*/ 235975 h 594531"/>
-              <a:gd name="connsiteX9" fmla="*/ 154684 w 2323592"/>
-              <a:gd name="connsiteY9" fmla="*/ 26000 h 594531"/>
-              <a:gd name="connsiteX0" fmla="*/ 13665 w 2182573"/>
-              <a:gd name="connsiteY0" fmla="*/ 26000 h 594531"/>
-              <a:gd name="connsiteX1" fmla="*/ 90567 w 2182573"/>
-              <a:gd name="connsiteY1" fmla="*/ 0 h 594531"/>
-              <a:gd name="connsiteX2" fmla="*/ 2165244 w 2182573"/>
-              <a:gd name="connsiteY2" fmla="*/ 12386 h 594531"/>
-              <a:gd name="connsiteX3" fmla="*/ 2182570 w 2182573"/>
-              <a:gd name="connsiteY3" fmla="*/ 108912 h 594531"/>
-              <a:gd name="connsiteX4" fmla="*/ 2165244 w 2182573"/>
-              <a:gd name="connsiteY4" fmla="*/ 583886 h 594531"/>
-              <a:gd name="connsiteX5" fmla="*/ 2073658 w 2182573"/>
-              <a:gd name="connsiteY5" fmla="*/ 594474 h 594531"/>
-              <a:gd name="connsiteX6" fmla="*/ 22741 w 2182573"/>
-              <a:gd name="connsiteY6" fmla="*/ 583886 h 594531"/>
-              <a:gd name="connsiteX7" fmla="*/ 17960 w 2182573"/>
-              <a:gd name="connsiteY7" fmla="*/ 403879 h 594531"/>
-              <a:gd name="connsiteX8" fmla="*/ 8884 w 2182573"/>
-              <a:gd name="connsiteY8" fmla="*/ 235975 h 594531"/>
-              <a:gd name="connsiteX9" fmla="*/ 13665 w 2182573"/>
-              <a:gd name="connsiteY9" fmla="*/ 26000 h 594531"/>
-              <a:gd name="connsiteX0" fmla="*/ 13665 w 2202120"/>
-              <a:gd name="connsiteY0" fmla="*/ 26000 h 594531"/>
-              <a:gd name="connsiteX1" fmla="*/ 90567 w 2202120"/>
-              <a:gd name="connsiteY1" fmla="*/ 0 h 594531"/>
-              <a:gd name="connsiteX2" fmla="*/ 2165244 w 2202120"/>
-              <a:gd name="connsiteY2" fmla="*/ 12386 h 594531"/>
-              <a:gd name="connsiteX3" fmla="*/ 2182570 w 2202120"/>
-              <a:gd name="connsiteY3" fmla="*/ 108912 h 594531"/>
-              <a:gd name="connsiteX4" fmla="*/ 2192471 w 2202120"/>
-              <a:gd name="connsiteY4" fmla="*/ 583886 h 594531"/>
-              <a:gd name="connsiteX5" fmla="*/ 2073658 w 2202120"/>
-              <a:gd name="connsiteY5" fmla="*/ 594474 h 594531"/>
-              <a:gd name="connsiteX6" fmla="*/ 22741 w 2202120"/>
-              <a:gd name="connsiteY6" fmla="*/ 583886 h 594531"/>
-              <a:gd name="connsiteX7" fmla="*/ 17960 w 2202120"/>
-              <a:gd name="connsiteY7" fmla="*/ 403879 h 594531"/>
-              <a:gd name="connsiteX8" fmla="*/ 8884 w 2202120"/>
-              <a:gd name="connsiteY8" fmla="*/ 235975 h 594531"/>
-              <a:gd name="connsiteX9" fmla="*/ 13665 w 2202120"/>
-              <a:gd name="connsiteY9" fmla="*/ 26000 h 594531"/>
-              <a:gd name="connsiteX0" fmla="*/ 13665 w 2202036"/>
-              <a:gd name="connsiteY0" fmla="*/ 26000 h 594531"/>
-              <a:gd name="connsiteX1" fmla="*/ 90567 w 2202036"/>
-              <a:gd name="connsiteY1" fmla="*/ 0 h 594531"/>
-              <a:gd name="connsiteX2" fmla="*/ 2165244 w 2202036"/>
-              <a:gd name="connsiteY2" fmla="*/ 12386 h 594531"/>
-              <a:gd name="connsiteX3" fmla="*/ 2182570 w 2202036"/>
-              <a:gd name="connsiteY3" fmla="*/ 108912 h 594531"/>
-              <a:gd name="connsiteX4" fmla="*/ 2191645 w 2202036"/>
-              <a:gd name="connsiteY4" fmla="*/ 422031 h 594531"/>
-              <a:gd name="connsiteX5" fmla="*/ 2192471 w 2202036"/>
-              <a:gd name="connsiteY5" fmla="*/ 583886 h 594531"/>
-              <a:gd name="connsiteX6" fmla="*/ 2073658 w 2202036"/>
-              <a:gd name="connsiteY6" fmla="*/ 594474 h 594531"/>
-              <a:gd name="connsiteX7" fmla="*/ 22741 w 2202036"/>
-              <a:gd name="connsiteY7" fmla="*/ 583886 h 594531"/>
-              <a:gd name="connsiteX8" fmla="*/ 17960 w 2202036"/>
-              <a:gd name="connsiteY8" fmla="*/ 403879 h 594531"/>
-              <a:gd name="connsiteX9" fmla="*/ 8884 w 2202036"/>
-              <a:gd name="connsiteY9" fmla="*/ 235975 h 594531"/>
-              <a:gd name="connsiteX10" fmla="*/ 13665 w 2202036"/>
-              <a:gd name="connsiteY10" fmla="*/ 26000 h 594531"/>
-              <a:gd name="connsiteX0" fmla="*/ 142254 w 2330625"/>
-              <a:gd name="connsiteY0" fmla="*/ 26000 h 594531"/>
-              <a:gd name="connsiteX1" fmla="*/ 219156 w 2330625"/>
-              <a:gd name="connsiteY1" fmla="*/ 0 h 594531"/>
-              <a:gd name="connsiteX2" fmla="*/ 2293833 w 2330625"/>
-              <a:gd name="connsiteY2" fmla="*/ 12386 h 594531"/>
-              <a:gd name="connsiteX3" fmla="*/ 2311159 w 2330625"/>
-              <a:gd name="connsiteY3" fmla="*/ 108912 h 594531"/>
-              <a:gd name="connsiteX4" fmla="*/ 2320234 w 2330625"/>
-              <a:gd name="connsiteY4" fmla="*/ 422031 h 594531"/>
-              <a:gd name="connsiteX5" fmla="*/ 2321060 w 2330625"/>
-              <a:gd name="connsiteY5" fmla="*/ 583886 h 594531"/>
-              <a:gd name="connsiteX6" fmla="*/ 2202247 w 2330625"/>
-              <a:gd name="connsiteY6" fmla="*/ 594474 h 594531"/>
-              <a:gd name="connsiteX7" fmla="*/ 151330 w 2330625"/>
-              <a:gd name="connsiteY7" fmla="*/ 583886 h 594531"/>
-              <a:gd name="connsiteX8" fmla="*/ 155624 w 2330625"/>
-              <a:gd name="connsiteY8" fmla="*/ 512790 h 594531"/>
-              <a:gd name="connsiteX9" fmla="*/ 146549 w 2330625"/>
-              <a:gd name="connsiteY9" fmla="*/ 403879 h 594531"/>
-              <a:gd name="connsiteX10" fmla="*/ 137473 w 2330625"/>
-              <a:gd name="connsiteY10" fmla="*/ 235975 h 594531"/>
-              <a:gd name="connsiteX11" fmla="*/ 142254 w 2330625"/>
-              <a:gd name="connsiteY11" fmla="*/ 26000 h 594531"/>
-              <a:gd name="connsiteX0" fmla="*/ 13413 w 2201784"/>
-              <a:gd name="connsiteY0" fmla="*/ 26000 h 594531"/>
-              <a:gd name="connsiteX1" fmla="*/ 90315 w 2201784"/>
-              <a:gd name="connsiteY1" fmla="*/ 0 h 594531"/>
-              <a:gd name="connsiteX2" fmla="*/ 2164992 w 2201784"/>
-              <a:gd name="connsiteY2" fmla="*/ 12386 h 594531"/>
-              <a:gd name="connsiteX3" fmla="*/ 2182318 w 2201784"/>
-              <a:gd name="connsiteY3" fmla="*/ 108912 h 594531"/>
-              <a:gd name="connsiteX4" fmla="*/ 2191393 w 2201784"/>
-              <a:gd name="connsiteY4" fmla="*/ 422031 h 594531"/>
-              <a:gd name="connsiteX5" fmla="*/ 2192219 w 2201784"/>
-              <a:gd name="connsiteY5" fmla="*/ 583886 h 594531"/>
-              <a:gd name="connsiteX6" fmla="*/ 2073406 w 2201784"/>
-              <a:gd name="connsiteY6" fmla="*/ 594474 h 594531"/>
-              <a:gd name="connsiteX7" fmla="*/ 22489 w 2201784"/>
-              <a:gd name="connsiteY7" fmla="*/ 583886 h 594531"/>
-              <a:gd name="connsiteX8" fmla="*/ 26783 w 2201784"/>
-              <a:gd name="connsiteY8" fmla="*/ 512790 h 594531"/>
-              <a:gd name="connsiteX9" fmla="*/ 17708 w 2201784"/>
-              <a:gd name="connsiteY9" fmla="*/ 403879 h 594531"/>
-              <a:gd name="connsiteX10" fmla="*/ 8632 w 2201784"/>
-              <a:gd name="connsiteY10" fmla="*/ 235975 h 594531"/>
-              <a:gd name="connsiteX11" fmla="*/ 13413 w 2201784"/>
-              <a:gd name="connsiteY11" fmla="*/ 26000 h 594531"/>
-            </a:gdLst>
-            <a:ahLst/>
-            <a:cxnLst>
-              <a:cxn ang="0">
-                <a:pos x="connsiteX0" y="connsiteY0"/>
-              </a:cxn>
-              <a:cxn ang="0">
-                <a:pos x="connsiteX1" y="connsiteY1"/>
-              </a:cxn>
-              <a:cxn ang="0">
-                <a:pos x="connsiteX2" y="connsiteY2"/>
-              </a:cxn>
-              <a:cxn ang="0">
-                <a:pos x="connsiteX3" y="connsiteY3"/>
-              </a:cxn>
-              <a:cxn ang="0">
-                <a:pos x="connsiteX4" y="connsiteY4"/>
-              </a:cxn>
-              <a:cxn ang="0">
-                <a:pos x="connsiteX5" y="connsiteY5"/>
-              </a:cxn>
-              <a:cxn ang="0">
-                <a:pos x="connsiteX6" y="connsiteY6"/>
-              </a:cxn>
-              <a:cxn ang="0">
-                <a:pos x="connsiteX7" y="connsiteY7"/>
-              </a:cxn>
-              <a:cxn ang="0">
-                <a:pos x="connsiteX8" y="connsiteY8"/>
-              </a:cxn>
-              <a:cxn ang="0">
-                <a:pos x="connsiteX9" y="connsiteY9"/>
-              </a:cxn>
-              <a:cxn ang="0">
-                <a:pos x="connsiteX10" y="connsiteY10"/>
-              </a:cxn>
-              <a:cxn ang="0">
-                <a:pos x="connsiteX11" y="connsiteY11"/>
-              </a:cxn>
-            </a:cxnLst>
-            <a:rect l="l" t="t" r="r" b="b"/>
-            <a:pathLst>
-              <a:path w="2201784" h="594531">
-                <a:moveTo>
-                  <a:pt x="13413" y="26000"/>
-                </a:moveTo>
-                <a:cubicBezTo>
-                  <a:pt x="37534" y="24897"/>
-                  <a:pt x="66194" y="1103"/>
-                  <a:pt x="90315" y="0"/>
-                </a:cubicBezTo>
-                <a:lnTo>
-                  <a:pt x="2164992" y="12386"/>
-                </a:lnTo>
-                <a:cubicBezTo>
-                  <a:pt x="2164717" y="43049"/>
-                  <a:pt x="2182593" y="78249"/>
-                  <a:pt x="2182318" y="108912"/>
-                </a:cubicBezTo>
-                <a:cubicBezTo>
-                  <a:pt x="2188231" y="177186"/>
-                  <a:pt x="2189743" y="342869"/>
-                  <a:pt x="2191393" y="422031"/>
-                </a:cubicBezTo>
-                <a:cubicBezTo>
-                  <a:pt x="2193043" y="501193"/>
-                  <a:pt x="2213396" y="555146"/>
-                  <a:pt x="2192219" y="583886"/>
-                </a:cubicBezTo>
-                <a:cubicBezTo>
-                  <a:pt x="2172279" y="582877"/>
-                  <a:pt x="2093346" y="595483"/>
-                  <a:pt x="2073406" y="594474"/>
-                </a:cubicBezTo>
-                <a:lnTo>
-                  <a:pt x="22489" y="583886"/>
-                </a:lnTo>
-                <a:cubicBezTo>
-                  <a:pt x="5849" y="592962"/>
-                  <a:pt x="27580" y="542791"/>
-                  <a:pt x="26783" y="512790"/>
-                </a:cubicBezTo>
-                <a:cubicBezTo>
-                  <a:pt x="25986" y="482789"/>
-                  <a:pt x="18464" y="450015"/>
-                  <a:pt x="17708" y="403879"/>
-                </a:cubicBezTo>
-                <a:cubicBezTo>
-                  <a:pt x="16952" y="357743"/>
-                  <a:pt x="-14855" y="308787"/>
-                  <a:pt x="8632" y="235975"/>
-                </a:cubicBezTo>
-                <a:cubicBezTo>
-                  <a:pt x="7119" y="142994"/>
-                  <a:pt x="-201" y="65329"/>
-                  <a:pt x="13413" y="26000"/>
-                </a:cubicBezTo>
-                <a:close/>
-              </a:path>
-            </a:pathLst>
-          </a:custGeom>
-          <a:solidFill>
-            <a:srgbClr val="D9D4D0">
-              <a:alpha val="60000"/>
-            </a:srgbClr>
-          </a:solidFill>
-          <a:ln>
-            <a:noFill/>
-          </a:ln>
-          <a:effectLst>
-            <a:softEdge rad="6350"/>
-          </a:effectLst>
-        </p:spPr>
-        <p:style>
-          <a:lnRef idx="2">
-            <a:schemeClr val="accent1">
-              <a:shade val="50000"/>
-            </a:schemeClr>
-          </a:lnRef>
-          <a:fillRef idx="1">
-            <a:schemeClr val="accent1"/>
-          </a:fillRef>
-          <a:effectRef idx="0">
-            <a:schemeClr val="accent1"/>
-          </a:effectRef>
-          <a:fontRef idx="minor">
-            <a:schemeClr val="lt1"/>
-          </a:fontRef>
-        </p:style>
-        <p:txBody>
-          <a:bodyPr rtlCol="0" anchor="ctr"/>
-          <a:lstStyle/>
-          <a:p>
-            <a:pPr algn="ctr"/>
-            <a:endParaRPr lang="en-US"/>
-          </a:p>
-        </p:txBody>
-      </p:sp>
-      <p:sp>
-        <p:nvSpPr>
-          <p:cNvPr id="3" name="Content Placeholder 2">
-            <a:extLst>
-              <a:ext uri="{FF2B5EF4-FFF2-40B4-BE49-F238E27FC236}">
-                <a16:creationId xmlns:a16="http://schemas.microsoft.com/office/drawing/2014/main" id="{33F25170-1374-18E8-2624-03B6217D5EC8}"/>
-              </a:ext>
-            </a:extLst>
-          </p:cNvPr>
-          <p:cNvSpPr>
-            <a:spLocks noGrp="1"/>
-          </p:cNvSpPr>
-          <p:nvPr>
-            <p:ph idx="1"/>
-          </p:nvPr>
-        </p:nvSpPr>
-        <p:spPr>
-          <a:xfrm>
-            <a:off x="1189319" y="2547257"/>
-            <a:ext cx="4458446" cy="3109740"/>
-          </a:xfrm>
-        </p:spPr>
-        <p:txBody>
-          <a:bodyPr anchor="ctr">
-            <a:normAutofit/>
-          </a:bodyPr>
-          <a:lstStyle/>
-          <a:p>
-            <a:pPr marL="0" indent="0">
-              <a:buNone/>
-            </a:pPr>
-            <a:r>
-              <a:rPr lang="en-GR" sz="2000"/>
-              <a:t>IDE is acronym of Integrated Development Enviroment and we use it to write code.</a:t>
-            </a:r>
-          </a:p>
-        </p:txBody>
-      </p:sp>
-    </p:spTree>
-    <p:extLst>
-      <p:ext uri="{BB962C8B-B14F-4D97-AF65-F5344CB8AC3E}">
-        <p14:creationId xmlns:p14="http://schemas.microsoft.com/office/powerpoint/2010/main" val="3379740581"/>
-      </p:ext>
-    </p:extLst>
-  </p:cSld>
-  <p:clrMapOvr>
-    <a:masterClrMapping/>
-  </p:clrMapOvr>
-</p:sld>
-</file>
-
-<file path=ppt/slides/slide3.xml><?xml version="1.0" encoding="utf-8"?>
-<p:sld xmlns:a="http://schemas.openxmlformats.org/drawingml/2006/main" xmlns:r="http://schemas.openxmlformats.org/officeDocument/2006/relationships" xmlns:p="http://schemas.openxmlformats.org/presentationml/2006/main">
-  <p:cSld>
-    <p:spTree>
-      <p:nvGrpSpPr>
-        <p:cNvPr id="1" name=""/>
-        <p:cNvGrpSpPr/>
-        <p:nvPr/>
-      </p:nvGrpSpPr>
-      <p:grpSpPr>
-        <a:xfrm>
-          <a:off x="0" y="0"/>
-          <a:ext cx="0" cy="0"/>
-          <a:chOff x="0" y="0"/>
-          <a:chExt cx="0" cy="0"/>
-        </a:xfrm>
-      </p:grpSpPr>
-      <p:sp>
-        <p:nvSpPr>
-          <p:cNvPr id="18" name="Rectangle 17">
-            <a:extLst>
-              <a:ext uri="{FF2B5EF4-FFF2-40B4-BE49-F238E27FC236}">
-                <a16:creationId xmlns:a16="http://schemas.microsoft.com/office/drawing/2014/main" id="{1707FC24-6981-43D9-B525-C7832BA22463}"/>
-              </a:ext>
-              <a:ext uri="{C183D7F6-B498-43B3-948B-1728B52AA6E4}">
-                <adec:decorative xmlns:adec="http://schemas.microsoft.com/office/drawing/2017/decorative" val="1"/>
-              </a:ext>
-            </a:extLst>
-          </p:cNvPr>
-          <p:cNvSpPr>
-            <a:spLocks noGrp="1" noRot="1" noChangeAspect="1" noMove="1" noResize="1" noEditPoints="1" noAdjustHandles="1" noChangeArrowheads="1" noChangeShapeType="1" noTextEdit="1"/>
-          </p:cNvSpPr>
-          <p:nvPr>
-            <p:extLst>
-              <p:ext uri="{386F3935-93C4-4BCD-93E2-E3B085C9AB24}">
-                <p16:designElem xmlns:p16="http://schemas.microsoft.com/office/powerpoint/2015/main" val="1"/>
-              </p:ext>
-            </p:extLst>
-          </p:nvPr>
-        </p:nvSpPr>
-        <p:spPr bwMode="ltGray">
-          <a:xfrm>
-            <a:off x="336884" y="311449"/>
-            <a:ext cx="4332307" cy="6179552"/>
-          </a:xfrm>
-          <a:prstGeom prst="rect">
-            <a:avLst/>
-          </a:prstGeom>
-          <a:solidFill>
-            <a:srgbClr val="404040"/>
-          </a:solidFill>
-          <a:ln w="127000" cap="sq" cmpd="thinThick">
-            <a:solidFill>
-              <a:srgbClr val="404040"/>
-            </a:solidFill>
-          </a:ln>
-        </p:spPr>
-        <p:style>
-          <a:lnRef idx="2">
-            <a:schemeClr val="accent1">
-              <a:shade val="50000"/>
-            </a:schemeClr>
-          </a:lnRef>
-          <a:fillRef idx="1">
-            <a:schemeClr val="accent1"/>
-          </a:fillRef>
-          <a:effectRef idx="0">
-            <a:schemeClr val="accent1"/>
-          </a:effectRef>
-          <a:fontRef idx="minor">
-            <a:schemeClr val="lt1"/>
-          </a:fontRef>
-        </p:style>
-        <p:txBody>
-          <a:bodyPr rtlCol="0" anchor="ctr"/>
-          <a:lstStyle/>
-          <a:p>
-            <a:pPr algn="ctr"/>
-            <a:endParaRPr lang="en-US"/>
-          </a:p>
-        </p:txBody>
-      </p:sp>
-      <p:pic>
-        <p:nvPicPr>
-          <p:cNvPr id="7" name="Picture 6" descr="A logo of a company&#10;&#10;Description automatically generated">
-            <a:extLst>
-              <a:ext uri="{FF2B5EF4-FFF2-40B4-BE49-F238E27FC236}">
-                <a16:creationId xmlns:a16="http://schemas.microsoft.com/office/drawing/2014/main" id="{438ACA73-303E-5C89-4AE2-00892F83D1E2}"/>
-              </a:ext>
-            </a:extLst>
-          </p:cNvPr>
-          <p:cNvPicPr>
-            <a:picLocks noChangeAspect="1"/>
-          </p:cNvPicPr>
-          <p:nvPr/>
-        </p:nvPicPr>
-        <p:blipFill>
-          <a:blip r:embed="rId2"/>
-          <a:stretch>
-            <a:fillRect/>
-          </a:stretch>
-        </p:blipFill>
-        <p:spPr>
-          <a:xfrm>
-            <a:off x="5153025" y="498475"/>
-            <a:ext cx="3889375" cy="2897188"/>
-          </a:xfrm>
-          <a:prstGeom prst="rect">
-            <a:avLst/>
-          </a:prstGeom>
-        </p:spPr>
-      </p:pic>
-      <p:pic>
-        <p:nvPicPr>
-          <p:cNvPr id="9" name="Picture 8" descr="A logo of a eclipse&#10;&#10;Description automatically generated">
-            <a:extLst>
-              <a:ext uri="{FF2B5EF4-FFF2-40B4-BE49-F238E27FC236}">
-                <a16:creationId xmlns:a16="http://schemas.microsoft.com/office/drawing/2014/main" id="{FA7E4531-9621-27B7-B794-44DA6755D681}"/>
-              </a:ext>
-            </a:extLst>
-          </p:cNvPr>
-          <p:cNvPicPr>
-            <a:picLocks noChangeAspect="1"/>
-          </p:cNvPicPr>
-          <p:nvPr/>
-        </p:nvPicPr>
-        <p:blipFill>
-          <a:blip r:embed="rId3"/>
-          <a:stretch>
-            <a:fillRect/>
-          </a:stretch>
-        </p:blipFill>
-        <p:spPr>
-          <a:xfrm>
-            <a:off x="5153025" y="3467100"/>
-            <a:ext cx="3889375" cy="2897188"/>
-          </a:xfrm>
-          <a:prstGeom prst="rect">
-            <a:avLst/>
-          </a:prstGeom>
-        </p:spPr>
-      </p:pic>
-      <p:pic>
-        <p:nvPicPr>
-          <p:cNvPr id="5" name="Content Placeholder 4" descr="A logo with purple text&#10;&#10;Description automatically generated">
-            <a:extLst>
-              <a:ext uri="{FF2B5EF4-FFF2-40B4-BE49-F238E27FC236}">
-                <a16:creationId xmlns:a16="http://schemas.microsoft.com/office/drawing/2014/main" id="{C3808D92-3E83-CE0D-F705-490FB6E3D768}"/>
-              </a:ext>
-            </a:extLst>
-          </p:cNvPr>
-          <p:cNvPicPr>
-            <a:picLocks noGrp="1" noChangeAspect="1"/>
-          </p:cNvPicPr>
-          <p:nvPr>
-            <p:ph idx="1"/>
-          </p:nvPr>
-        </p:nvPicPr>
-        <p:blipFill>
-          <a:blip r:embed="rId4"/>
-          <a:stretch>
-            <a:fillRect/>
-          </a:stretch>
-        </p:blipFill>
-        <p:spPr>
-          <a:xfrm>
-            <a:off x="9113838" y="498475"/>
-            <a:ext cx="2592388" cy="1808163"/>
-          </a:xfrm>
-        </p:spPr>
-      </p:pic>
-      <p:pic>
-        <p:nvPicPr>
-          <p:cNvPr id="11" name="Picture 10" descr="A logo with colorful shapes&#10;&#10;Description automatically generated with medium confidence">
-            <a:extLst>
-              <a:ext uri="{FF2B5EF4-FFF2-40B4-BE49-F238E27FC236}">
-                <a16:creationId xmlns:a16="http://schemas.microsoft.com/office/drawing/2014/main" id="{CFEDACA0-712D-066E-D18B-CBF1622EEC04}"/>
-              </a:ext>
-            </a:extLst>
-          </p:cNvPr>
-          <p:cNvPicPr>
-            <a:picLocks noChangeAspect="1"/>
-          </p:cNvPicPr>
-          <p:nvPr/>
-        </p:nvPicPr>
-        <p:blipFill>
-          <a:blip r:embed="rId5"/>
-          <a:stretch>
-            <a:fillRect/>
-          </a:stretch>
-        </p:blipFill>
-        <p:spPr>
-          <a:xfrm>
-            <a:off x="9113838" y="2376488"/>
-            <a:ext cx="2592388" cy="1889125"/>
-          </a:xfrm>
-          <a:prstGeom prst="rect">
-            <a:avLst/>
-          </a:prstGeom>
-        </p:spPr>
-      </p:pic>
-      <p:pic>
-        <p:nvPicPr>
-          <p:cNvPr id="13" name="Picture 12" descr="A colorful logo with white letters&#10;&#10;Description automatically generated">
-            <a:extLst>
-              <a:ext uri="{FF2B5EF4-FFF2-40B4-BE49-F238E27FC236}">
-                <a16:creationId xmlns:a16="http://schemas.microsoft.com/office/drawing/2014/main" id="{62D980E6-D7A6-8242-FA25-0547D3EF052C}"/>
-              </a:ext>
-            </a:extLst>
-          </p:cNvPr>
-          <p:cNvPicPr>
-            <a:picLocks noChangeAspect="1"/>
-          </p:cNvPicPr>
-          <p:nvPr/>
-        </p:nvPicPr>
-        <p:blipFill>
-          <a:blip r:embed="rId6"/>
-          <a:stretch>
-            <a:fillRect/>
-          </a:stretch>
-        </p:blipFill>
-        <p:spPr>
-          <a:xfrm>
-            <a:off x="8462085" y="4335463"/>
-            <a:ext cx="2592388" cy="2025650"/>
-          </a:xfrm>
-          <a:prstGeom prst="rect">
-            <a:avLst/>
-          </a:prstGeom>
-        </p:spPr>
-      </p:pic>
-      <p:sp>
-        <p:nvSpPr>
-          <p:cNvPr id="2" name="Title 1">
-            <a:extLst>
-              <a:ext uri="{FF2B5EF4-FFF2-40B4-BE49-F238E27FC236}">
-                <a16:creationId xmlns:a16="http://schemas.microsoft.com/office/drawing/2014/main" id="{95ED1C95-F08A-6F36-EE45-99F1FE763620}"/>
-              </a:ext>
-            </a:extLst>
-          </p:cNvPr>
-          <p:cNvSpPr>
-            <a:spLocks noGrp="1"/>
-          </p:cNvSpPr>
-          <p:nvPr>
-            <p:ph type="title"/>
-          </p:nvPr>
-        </p:nvSpPr>
-        <p:spPr>
-          <a:xfrm>
-            <a:off x="742950" y="742951"/>
-            <a:ext cx="3476625" cy="4962524"/>
-          </a:xfrm>
-        </p:spPr>
-        <p:txBody>
-          <a:bodyPr vert="horz" lIns="91440" tIns="45720" rIns="91440" bIns="45720" rtlCol="0" anchor="ctr">
-            <a:normAutofit/>
-          </a:bodyPr>
-          <a:lstStyle/>
-          <a:p>
-            <a:pPr algn="ctr"/>
-            <a:r>
-              <a:rPr lang="en-US" sz="4800" kern="1200">
-                <a:solidFill>
-                  <a:srgbClr val="FFFFFF"/>
-                </a:solidFill>
-                <a:latin typeface="+mj-lt"/>
-                <a:ea typeface="+mj-ea"/>
-                <a:cs typeface="+mj-cs"/>
-              </a:rPr>
-              <a:t>Famous IDEs</a:t>
-            </a:r>
-          </a:p>
-        </p:txBody>
-      </p:sp>
-    </p:spTree>
-    <p:extLst>
-      <p:ext uri="{BB962C8B-B14F-4D97-AF65-F5344CB8AC3E}">
-        <p14:creationId xmlns:p14="http://schemas.microsoft.com/office/powerpoint/2010/main" val="568431115"/>
-      </p:ext>
-    </p:extLst>
-  </p:cSld>
-  <p:clrMapOvr>
-    <a:masterClrMapping/>
-  </p:clrMapOvr>
-</p:sld>
-</file>
-
-<file path=ppt/slides/slide4.xml><?xml version="1.0" encoding="utf-8"?>
-<p:sld xmlns:a="http://schemas.openxmlformats.org/drawingml/2006/main" xmlns:r="http://schemas.openxmlformats.org/officeDocument/2006/relationships" xmlns:p="http://schemas.openxmlformats.org/presentationml/2006/main">
-  <p:cSld>
-    <p:spTree>
-      <p:nvGrpSpPr>
-        <p:cNvPr id="1" name=""/>
-        <p:cNvGrpSpPr/>
-        <p:nvPr/>
-      </p:nvGrpSpPr>
-      <p:grpSpPr>
-        <a:xfrm>
-          <a:off x="0" y="0"/>
-          <a:ext cx="0" cy="0"/>
-          <a:chOff x="0" y="0"/>
-          <a:chExt cx="0" cy="0"/>
-        </a:xfrm>
-      </p:grpSpPr>
-      <p:sp>
-        <p:nvSpPr>
-          <p:cNvPr id="2" name="Title 1">
-            <a:extLst>
-              <a:ext uri="{FF2B5EF4-FFF2-40B4-BE49-F238E27FC236}">
-                <a16:creationId xmlns:a16="http://schemas.microsoft.com/office/drawing/2014/main" id="{C995789F-7FDE-453D-C4F1-A8AD9C6DAC6E}"/>
-              </a:ext>
-            </a:extLst>
-          </p:cNvPr>
-          <p:cNvSpPr>
-            <a:spLocks noGrp="1"/>
-          </p:cNvSpPr>
-          <p:nvPr>
-            <p:ph type="title"/>
-          </p:nvPr>
-        </p:nvSpPr>
-        <p:spPr/>
-        <p:txBody>
-          <a:bodyPr/>
-          <a:lstStyle/>
-          <a:p>
-            <a:r>
-              <a:rPr lang="en-GR" dirty="0"/>
-              <a:t>What they are offering?</a:t>
-            </a:r>
-          </a:p>
-        </p:txBody>
-      </p:sp>
-      <p:sp>
-        <p:nvSpPr>
-          <p:cNvPr id="3" name="Content Placeholder 2">
-            <a:extLst>
-              <a:ext uri="{FF2B5EF4-FFF2-40B4-BE49-F238E27FC236}">
-                <a16:creationId xmlns:a16="http://schemas.microsoft.com/office/drawing/2014/main" id="{6255FE77-C001-B306-5138-F6F84BF58A76}"/>
-              </a:ext>
-            </a:extLst>
-          </p:cNvPr>
-          <p:cNvSpPr>
-            <a:spLocks noGrp="1"/>
-          </p:cNvSpPr>
-          <p:nvPr>
-            <p:ph idx="1"/>
-          </p:nvPr>
-        </p:nvSpPr>
-        <p:spPr/>
-        <p:txBody>
-          <a:bodyPr/>
-          <a:lstStyle/>
-          <a:p>
-            <a:r>
-              <a:rPr lang="en-GR" dirty="0"/>
-              <a:t>Syntax highlighting</a:t>
-            </a:r>
-          </a:p>
-          <a:p>
-            <a:r>
-              <a:rPr lang="en-GR" dirty="0"/>
-              <a:t>Autocomplete</a:t>
-            </a:r>
-          </a:p>
-          <a:p>
-            <a:r>
-              <a:rPr lang="en-GR" dirty="0"/>
-              <a:t>Intellisence</a:t>
-            </a:r>
-          </a:p>
-          <a:p>
-            <a:r>
-              <a:rPr lang="en-GR" dirty="0"/>
-              <a:t>Multiple files</a:t>
-            </a:r>
-          </a:p>
-          <a:p>
-            <a:r>
-              <a:rPr lang="en-GR" dirty="0"/>
-              <a:t>Bookmarks</a:t>
-            </a:r>
-          </a:p>
-          <a:p>
-            <a:r>
-              <a:rPr lang="en-GR" dirty="0"/>
-              <a:t>Debug Modes</a:t>
-            </a:r>
-          </a:p>
-        </p:txBody>
-      </p:sp>
-    </p:spTree>
-    <p:extLst>
-      <p:ext uri="{BB962C8B-B14F-4D97-AF65-F5344CB8AC3E}">
-        <p14:creationId xmlns:p14="http://schemas.microsoft.com/office/powerpoint/2010/main" val="2931598171"/>
-      </p:ext>
-    </p:extLst>
-  </p:cSld>
-  <p:clrMapOvr>
-    <a:masterClrMapping/>
-  </p:clrMapOvr>
-  <p:timing>
-    <p:tnLst>
-      <p:par>
-        <p:cTn id="1" dur="indefinite" restart="never" nodeType="tmRoot">
-          <p:childTnLst>
-            <p:seq concurrent="1" nextAc="seek">
-              <p:cTn id="2" dur="indefinite" nodeType="mainSeq">
-                <p:childTnLst>
-                  <p:par>
-                    <p:cTn id="3" fill="hold">
-                      <p:stCondLst>
-                        <p:cond delay="indefinite"/>
-                      </p:stCondLst>
-                      <p:childTnLst>
-                        <p:par>
-                          <p:cTn id="4" fill="hold">
-                            <p:stCondLst>
-                              <p:cond delay="0"/>
-                            </p:stCondLst>
-                            <p:childTnLst>
-                              <p:par>
-                                <p:cTn id="5" presetID="10" presetClass="entr" presetSubtype="0" fill="hold" nodeType="clickEffect">
-                                  <p:stCondLst>
-                                    <p:cond delay="0"/>
-                                  </p:stCondLst>
-                                  <p:childTnLst>
-                                    <p:set>
-                                      <p:cBhvr>
-                                        <p:cTn id="6" dur="1" fill="hold">
-                                          <p:stCondLst>
-                                            <p:cond delay="0"/>
-                                          </p:stCondLst>
-                                        </p:cTn>
-                                        <p:tgtEl>
-                                          <p:spTgt spid="3">
-                                            <p:txEl>
-                                              <p:pRg st="0" end="0"/>
-                                            </p:txEl>
-                                          </p:spTgt>
-                                        </p:tgtEl>
-                                        <p:attrNameLst>
-                                          <p:attrName>style.visibility</p:attrName>
-                                        </p:attrNameLst>
-                                      </p:cBhvr>
-                                      <p:to>
-                                        <p:strVal val="visible"/>
-                                      </p:to>
-                                    </p:set>
-                                    <p:animEffect transition="in" filter="fade">
-                                      <p:cBhvr>
-                                        <p:cTn id="7" dur="500"/>
-                                        <p:tgtEl>
-                                          <p:spTgt spid="3">
-                                            <p:txEl>
-                                              <p:pRg st="0" end="0"/>
-                                            </p:txEl>
-                                          </p:spTgt>
-                                        </p:tgtEl>
-                                      </p:cBhvr>
-                                    </p:animEffect>
-                                  </p:childTnLst>
-                                </p:cTn>
-                              </p:par>
-                            </p:childTnLst>
-                          </p:cTn>
-                        </p:par>
-                      </p:childTnLst>
-                    </p:cTn>
-                  </p:par>
-                  <p:par>
-                    <p:cTn id="8" fill="hold">
-                      <p:stCondLst>
-                        <p:cond delay="indefinite"/>
-                      </p:stCondLst>
-                      <p:childTnLst>
-                        <p:par>
-                          <p:cTn id="9" fill="hold">
-                            <p:stCondLst>
-                              <p:cond delay="0"/>
-                            </p:stCondLst>
-                            <p:childTnLst>
-                              <p:par>
-                                <p:cTn id="10" presetID="10" presetClass="entr" presetSubtype="0" fill="hold" nodeType="clickEffect">
-                                  <p:stCondLst>
-                                    <p:cond delay="0"/>
-                                  </p:stCondLst>
-                                  <p:childTnLst>
-                                    <p:set>
-                                      <p:cBhvr>
-                                        <p:cTn id="11" dur="1" fill="hold">
-                                          <p:stCondLst>
-                                            <p:cond delay="0"/>
-                                          </p:stCondLst>
-                                        </p:cTn>
-                                        <p:tgtEl>
-                                          <p:spTgt spid="3">
-                                            <p:txEl>
-                                              <p:pRg st="1" end="1"/>
-                                            </p:txEl>
-                                          </p:spTgt>
-                                        </p:tgtEl>
-                                        <p:attrNameLst>
-                                          <p:attrName>style.visibility</p:attrName>
-                                        </p:attrNameLst>
-                                      </p:cBhvr>
-                                      <p:to>
-                                        <p:strVal val="visible"/>
-                                      </p:to>
-                                    </p:set>
-                                    <p:animEffect transition="in" filter="fade">
-                                      <p:cBhvr>
-                                        <p:cTn id="12" dur="500"/>
-                                        <p:tgtEl>
-                                          <p:spTgt spid="3">
-                                            <p:txEl>
-                                              <p:pRg st="1" end="1"/>
-                                            </p:txEl>
-                                          </p:spTgt>
-                                        </p:tgtEl>
-                                      </p:cBhvr>
-                                    </p:animEffect>
-                                  </p:childTnLst>
-                                </p:cTn>
-                              </p:par>
-                            </p:childTnLst>
-                          </p:cTn>
-                        </p:par>
-                      </p:childTnLst>
-                    </p:cTn>
-                  </p:par>
-                  <p:par>
-                    <p:cTn id="13" fill="hold">
-                      <p:stCondLst>
-                        <p:cond delay="indefinite"/>
-                      </p:stCondLst>
-                      <p:childTnLst>
-                        <p:par>
-                          <p:cTn id="14" fill="hold">
-                            <p:stCondLst>
-                              <p:cond delay="0"/>
-                            </p:stCondLst>
-                            <p:childTnLst>
-                              <p:par>
-                                <p:cTn id="15" presetID="10" presetClass="entr" presetSubtype="0" fill="hold" nodeType="clickEffect">
-                                  <p:stCondLst>
-                                    <p:cond delay="0"/>
-                                  </p:stCondLst>
-                                  <p:childTnLst>
-                                    <p:set>
-                                      <p:cBhvr>
-                                        <p:cTn id="16" dur="1" fill="hold">
-                                          <p:stCondLst>
-                                            <p:cond delay="0"/>
-                                          </p:stCondLst>
-                                        </p:cTn>
-                                        <p:tgtEl>
-                                          <p:spTgt spid="3">
-                                            <p:txEl>
-                                              <p:pRg st="2" end="2"/>
-                                            </p:txEl>
-                                          </p:spTgt>
-                                        </p:tgtEl>
-                                        <p:attrNameLst>
-                                          <p:attrName>style.visibility</p:attrName>
-                                        </p:attrNameLst>
-                                      </p:cBhvr>
-                                      <p:to>
-                                        <p:strVal val="visible"/>
-                                      </p:to>
-                                    </p:set>
-                                    <p:animEffect transition="in" filter="fade">
-                                      <p:cBhvr>
-                                        <p:cTn id="17" dur="500"/>
-                                        <p:tgtEl>
-                                          <p:spTgt spid="3">
-                                            <p:txEl>
-                                              <p:pRg st="2" end="2"/>
-                                            </p:txEl>
-                                          </p:spTgt>
-                                        </p:tgtEl>
-                                      </p:cBhvr>
-                                    </p:animEffect>
-                                  </p:childTnLst>
-                                </p:cTn>
-                              </p:par>
-                            </p:childTnLst>
-                          </p:cTn>
-                        </p:par>
-                      </p:childTnLst>
-                    </p:cTn>
-                  </p:par>
-                  <p:par>
-                    <p:cTn id="18" fill="hold">
-                      <p:stCondLst>
-                        <p:cond delay="indefinite"/>
-                      </p:stCondLst>
-                      <p:childTnLst>
-                        <p:par>
-                          <p:cTn id="19" fill="hold">
-                            <p:stCondLst>
-                              <p:cond delay="0"/>
-                            </p:stCondLst>
-                            <p:childTnLst>
-                              <p:par>
-                                <p:cTn id="20" presetID="10" presetClass="entr" presetSubtype="0" fill="hold" nodeType="clickEffect">
-                                  <p:stCondLst>
-                                    <p:cond delay="0"/>
-                                  </p:stCondLst>
-                                  <p:childTnLst>
-                                    <p:set>
-                                      <p:cBhvr>
-                                        <p:cTn id="21" dur="1" fill="hold">
-                                          <p:stCondLst>
-                                            <p:cond delay="0"/>
-                                          </p:stCondLst>
-                                        </p:cTn>
-                                        <p:tgtEl>
-                                          <p:spTgt spid="3">
-                                            <p:txEl>
-                                              <p:pRg st="3" end="3"/>
-                                            </p:txEl>
-                                          </p:spTgt>
-                                        </p:tgtEl>
-                                        <p:attrNameLst>
-                                          <p:attrName>style.visibility</p:attrName>
-                                        </p:attrNameLst>
-                                      </p:cBhvr>
-                                      <p:to>
-                                        <p:strVal val="visible"/>
-                                      </p:to>
-                                    </p:set>
-                                    <p:animEffect transition="in" filter="fade">
-                                      <p:cBhvr>
-                                        <p:cTn id="22" dur="500"/>
-                                        <p:tgtEl>
-                                          <p:spTgt spid="3">
-                                            <p:txEl>
-                                              <p:pRg st="3" end="3"/>
-                                            </p:txEl>
-                                          </p:spTgt>
-                                        </p:tgtEl>
-                                      </p:cBhvr>
-                                    </p:animEffect>
-                                  </p:childTnLst>
-                                </p:cTn>
-                              </p:par>
-                            </p:childTnLst>
-                          </p:cTn>
-                        </p:par>
-                      </p:childTnLst>
-                    </p:cTn>
-                  </p:par>
-                  <p:par>
-                    <p:cTn id="23" fill="hold">
-                      <p:stCondLst>
-                        <p:cond delay="indefinite"/>
-                      </p:stCondLst>
-                      <p:childTnLst>
-                        <p:par>
-                          <p:cTn id="24" fill="hold">
-                            <p:stCondLst>
-                              <p:cond delay="0"/>
-                            </p:stCondLst>
-                            <p:childTnLst>
-                              <p:par>
-                                <p:cTn id="25" presetID="10" presetClass="entr" presetSubtype="0" fill="hold" nodeType="clickEffect">
-                                  <p:stCondLst>
-                                    <p:cond delay="0"/>
-                                  </p:stCondLst>
-                                  <p:childTnLst>
-                                    <p:set>
-                                      <p:cBhvr>
-                                        <p:cTn id="26" dur="1" fill="hold">
-                                          <p:stCondLst>
-                                            <p:cond delay="0"/>
-                                          </p:stCondLst>
-                                        </p:cTn>
-                                        <p:tgtEl>
-                                          <p:spTgt spid="3">
-                                            <p:txEl>
-                                              <p:pRg st="4" end="4"/>
-                                            </p:txEl>
-                                          </p:spTgt>
-                                        </p:tgtEl>
-                                        <p:attrNameLst>
-                                          <p:attrName>style.visibility</p:attrName>
-                                        </p:attrNameLst>
-                                      </p:cBhvr>
-                                      <p:to>
-                                        <p:strVal val="visible"/>
-                                      </p:to>
-                                    </p:set>
-                                    <p:animEffect transition="in" filter="fade">
-                                      <p:cBhvr>
-                                        <p:cTn id="27" dur="500"/>
-                                        <p:tgtEl>
-                                          <p:spTgt spid="3">
-                                            <p:txEl>
-                                              <p:pRg st="4" end="4"/>
-                                            </p:txEl>
-                                          </p:spTgt>
-                                        </p:tgtEl>
-                                      </p:cBhvr>
-                                    </p:animEffect>
-                                  </p:childTnLst>
-                                </p:cTn>
-                              </p:par>
-                            </p:childTnLst>
-                          </p:cTn>
-                        </p:par>
-                      </p:childTnLst>
-                    </p:cTn>
-                  </p:par>
-                  <p:par>
-                    <p:cTn id="28" fill="hold">
-                      <p:stCondLst>
-                        <p:cond delay="indefinite"/>
-                      </p:stCondLst>
-                      <p:childTnLst>
-                        <p:par>
-                          <p:cTn id="29" fill="hold">
-                            <p:stCondLst>
-                              <p:cond delay="0"/>
-                            </p:stCondLst>
-                            <p:childTnLst>
-                              <p:par>
-                                <p:cTn id="30" presetID="10" presetClass="entr" presetSubtype="0" fill="hold" nodeType="clickEffect">
-                                  <p:stCondLst>
-                                    <p:cond delay="0"/>
-                                  </p:stCondLst>
-                                  <p:childTnLst>
-                                    <p:set>
-                                      <p:cBhvr>
-                                        <p:cTn id="31" dur="1" fill="hold">
-                                          <p:stCondLst>
-                                            <p:cond delay="0"/>
-                                          </p:stCondLst>
-                                        </p:cTn>
-                                        <p:tgtEl>
-                                          <p:spTgt spid="3">
-                                            <p:txEl>
-                                              <p:pRg st="5" end="5"/>
-                                            </p:txEl>
-                                          </p:spTgt>
-                                        </p:tgtEl>
-                                        <p:attrNameLst>
-                                          <p:attrName>style.visibility</p:attrName>
-                                        </p:attrNameLst>
-                                      </p:cBhvr>
-                                      <p:to>
-                                        <p:strVal val="visible"/>
-                                      </p:to>
-                                    </p:set>
-                                    <p:animEffect transition="in" filter="fade">
-                                      <p:cBhvr>
-                                        <p:cTn id="32" dur="500"/>
-                                        <p:tgtEl>
-                                          <p:spTgt spid="3">
-                                            <p:txEl>
-                                              <p:pRg st="5" end="5"/>
-                                            </p:txEl>
-                                          </p:spTgt>
-                                        </p:tgtEl>
-                                      </p:cBhvr>
-                                    </p:animEffect>
-                                  </p:childTnLst>
-                                </p:cTn>
-                              </p:par>
-                            </p:childTnLst>
-                          </p:cTn>
-                        </p:par>
-                      </p:childTnLst>
-                    </p:cTn>
-                  </p:par>
-                </p:childTnLst>
-              </p:cTn>
-              <p:prevCondLst>
-                <p:cond evt="onPrev" delay="0">
-                  <p:tgtEl>
-                    <p:sldTgt/>
-                  </p:tgtEl>
-                </p:cond>
-              </p:prevCondLst>
-              <p:nextCondLst>
-                <p:cond evt="onNext" delay="0">
-                  <p:tgtEl>
-                    <p:sldTgt/>
-                  </p:tgtEl>
-                </p:cond>
-              </p:nextCondLst>
-            </p:seq>
-          </p:childTnLst>
-        </p:cTn>
-      </p:par>
-    </p:tnLst>
-  </p:timing>
-</p:sld>
-</file>
-
-<file path=ppt/slides/slide5.xml><?xml version="1.0" encoding="utf-8"?>
-<p:sld xmlns:a="http://schemas.openxmlformats.org/drawingml/2006/main" xmlns:r="http://schemas.openxmlformats.org/officeDocument/2006/relationships" xmlns:p="http://schemas.openxmlformats.org/presentationml/2006/main">
-  <p:cSld>
-    <p:spTree>
-      <p:nvGrpSpPr>
-        <p:cNvPr id="1" name=""/>
-        <p:cNvGrpSpPr/>
-        <p:nvPr/>
-      </p:nvGrpSpPr>
-      <p:grpSpPr>
-        <a:xfrm>
-          <a:off x="0" y="0"/>
-          <a:ext cx="0" cy="0"/>
-          <a:chOff x="0" y="0"/>
-          <a:chExt cx="0" cy="0"/>
-        </a:xfrm>
-      </p:grpSpPr>
       <p:sp>
         <p:nvSpPr>
           <p:cNvPr id="2" name="Title 1">
@@ -6080,8 +3920,8 @@
         </p:nvSpPr>
         <p:spPr>
           <a:xfrm>
-            <a:off x="4626060" y="3582888"/>
-            <a:ext cx="1932645" cy="523220"/>
+            <a:off x="4425085" y="3623240"/>
+            <a:ext cx="2203552" cy="523220"/>
           </a:xfrm>
           <a:prstGeom prst="rect">
             <a:avLst/>
@@ -6095,9 +3935,10 @@
           <a:lstStyle/>
           <a:p>
             <a:r>
-              <a:rPr lang="en-GR" sz="2800" dirty="0"/>
-              <a:t>Middleware</a:t>
-            </a:r>
+              <a:rPr lang="en-US" sz="2800" dirty="0"/>
+              <a:t>Pre-processor</a:t>
+            </a:r>
+            <a:endParaRPr lang="en-GR" sz="2800" dirty="0"/>
           </a:p>
         </p:txBody>
       </p:sp>
@@ -6115,8 +3956,8 @@
         </p:nvSpPr>
         <p:spPr>
           <a:xfrm>
-            <a:off x="8766198" y="3573254"/>
-            <a:ext cx="1473480" cy="523220"/>
+            <a:off x="8181935" y="3582888"/>
+            <a:ext cx="2642005" cy="523220"/>
           </a:xfrm>
           <a:prstGeom prst="rect">
             <a:avLst/>
@@ -6131,8 +3972,13 @@
           <a:p>
             <a:r>
               <a:rPr lang="en-GR" sz="2800" dirty="0"/>
-              <a:t>Slang CLI</a:t>
-            </a:r>
+              <a:t>Slang </a:t>
+            </a:r>
+            <a:r>
+              <a:rPr lang="en-US" sz="2800" dirty="0"/>
+              <a:t>Interpreter</a:t>
+            </a:r>
+            <a:endParaRPr lang="en-GR" sz="2800" dirty="0"/>
           </a:p>
         </p:txBody>
       </p:sp>
@@ -6742,7 +4588,7 @@
 </p:sld>
 </file>
 
-<file path=ppt/slides/slide6.xml><?xml version="1.0" encoding="utf-8"?>
+<file path=ppt/slides/slide3.xml><?xml version="1.0" encoding="utf-8"?>
 <p:sld xmlns:a="http://schemas.openxmlformats.org/drawingml/2006/main" xmlns:r="http://schemas.openxmlformats.org/officeDocument/2006/relationships" xmlns:p="http://schemas.openxmlformats.org/presentationml/2006/main">
   <p:cSld>
     <p:spTree>
@@ -6917,8 +4763,28 @@
                   <a:srgbClr val="FFFFFF"/>
                 </a:solidFill>
               </a:rPr>
-              <a:t>What happen in Middleware</a:t>
-            </a:r>
+              <a:t>What happen in </a:t>
+            </a:r>
+            <a:br>
+              <a:rPr lang="en-US" dirty="0">
+                <a:solidFill>
+                  <a:srgbClr val="FFFFFF"/>
+                </a:solidFill>
+              </a:rPr>
+            </a:br>
+            <a:r>
+              <a:rPr lang="en-US" sz="4000" dirty="0">
+                <a:solidFill>
+                  <a:srgbClr val="FFFFFF"/>
+                </a:solidFill>
+              </a:rPr>
+              <a:t>Pre-Processor</a:t>
+            </a:r>
+            <a:endParaRPr lang="en-GR" dirty="0">
+              <a:solidFill>
+                <a:srgbClr val="FFFFFF"/>
+              </a:solidFill>
+            </a:endParaRPr>
           </a:p>
         </p:txBody>
       </p:sp>
@@ -7127,7 +4993,7 @@
         <p:spPr>
           <a:xfrm>
             <a:off x="5791012" y="2727548"/>
-            <a:ext cx="5536397" cy="1402904"/>
+            <a:ext cx="5536397" cy="1655916"/>
           </a:xfrm>
         </p:spPr>
         <p:txBody>
@@ -7141,7 +5007,39 @@
             </a:pPr>
             <a:r>
               <a:rPr lang="en-GR" dirty="0"/>
-              <a:t>Scans the file and build the file with the additional files that you have included with #add keyword.</a:t>
+              <a:t>Scans the </a:t>
+            </a:r>
+            <a:r>
+              <a:rPr lang="en-US" dirty="0"/>
+              <a:t>source code</a:t>
+            </a:r>
+            <a:r>
+              <a:rPr lang="en-GR" dirty="0"/>
+              <a:t> and </a:t>
+            </a:r>
+            <a:r>
+              <a:rPr lang="en-US" dirty="0"/>
+              <a:t>merge all files that you have included</a:t>
+            </a:r>
+            <a:r>
+              <a:rPr lang="en-GR" dirty="0"/>
+              <a:t> with </a:t>
+            </a:r>
+            <a:r>
+              <a:rPr lang="en-GR" b="1" dirty="0"/>
+              <a:t>#add </a:t>
+            </a:r>
+            <a:r>
+              <a:rPr lang="en-GR" dirty="0"/>
+              <a:t>keyword</a:t>
+            </a:r>
+            <a:r>
+              <a:rPr lang="en-US" dirty="0"/>
+              <a:t> and creates the final file</a:t>
+            </a:r>
+            <a:r>
+              <a:rPr lang="en-GR" dirty="0"/>
+              <a:t>.</a:t>
             </a:r>
           </a:p>
           <a:p>
@@ -7171,7 +5069,7 @@
 </p:sld>
 </file>
 
-<file path=ppt/slides/slide7.xml><?xml version="1.0" encoding="utf-8"?>
+<file path=ppt/slides/slide4.xml><?xml version="1.0" encoding="utf-8"?>
 <p:sld xmlns:a="http://schemas.openxmlformats.org/drawingml/2006/main" xmlns:r="http://schemas.openxmlformats.org/officeDocument/2006/relationships" xmlns:p="http://schemas.openxmlformats.org/presentationml/2006/main">
   <p:cSld>
     <p:spTree>
@@ -7346,8 +5244,28 @@
                   <a:srgbClr val="FFFFFF"/>
                 </a:solidFill>
               </a:rPr>
-              <a:t>What happen in Middleware</a:t>
-            </a:r>
+              <a:t>What happen in </a:t>
+            </a:r>
+            <a:br>
+              <a:rPr lang="en-US" dirty="0">
+                <a:solidFill>
+                  <a:srgbClr val="FFFFFF"/>
+                </a:solidFill>
+              </a:rPr>
+            </a:br>
+            <a:r>
+              <a:rPr lang="en-US" sz="4000" dirty="0">
+                <a:solidFill>
+                  <a:srgbClr val="FFFFFF"/>
+                </a:solidFill>
+              </a:rPr>
+              <a:t>Pre-Processor</a:t>
+            </a:r>
+            <a:endParaRPr lang="en-GR" dirty="0">
+              <a:solidFill>
+                <a:srgbClr val="FFFFFF"/>
+              </a:solidFill>
+            </a:endParaRPr>
           </a:p>
         </p:txBody>
       </p:sp>
@@ -8109,7 +6027,7 @@
 </p:sld>
 </file>
 
-<file path=ppt/slides/slide8.xml><?xml version="1.0" encoding="utf-8"?>
+<file path=ppt/slides/slide5.xml><?xml version="1.0" encoding="utf-8"?>
 <p:sld xmlns:a="http://schemas.openxmlformats.org/drawingml/2006/main" xmlns:r="http://schemas.openxmlformats.org/officeDocument/2006/relationships" xmlns:p="http://schemas.openxmlformats.org/presentationml/2006/main">
   <p:cSld>
     <p:spTree>
@@ -8284,8 +6202,28 @@
                   <a:srgbClr val="FFFFFF"/>
                 </a:solidFill>
               </a:rPr>
-              <a:t>What happen in Middleware</a:t>
-            </a:r>
+              <a:t>What happen in </a:t>
+            </a:r>
+            <a:br>
+              <a:rPr lang="en-US" dirty="0">
+                <a:solidFill>
+                  <a:srgbClr val="FFFFFF"/>
+                </a:solidFill>
+              </a:rPr>
+            </a:br>
+            <a:r>
+              <a:rPr lang="en-US" sz="4000" dirty="0">
+                <a:solidFill>
+                  <a:srgbClr val="FFFFFF"/>
+                </a:solidFill>
+              </a:rPr>
+              <a:t>Pre-Processor</a:t>
+            </a:r>
+            <a:endParaRPr lang="en-GR" sz="4000" dirty="0">
+              <a:solidFill>
+                <a:srgbClr val="FFFFFF"/>
+              </a:solidFill>
+            </a:endParaRPr>
           </a:p>
         </p:txBody>
       </p:sp>
@@ -8584,8 +6522,8 @@
         </p:nvSpPr>
         <p:spPr>
           <a:xfrm>
-            <a:off x="8168701" y="5121713"/>
-            <a:ext cx="963725" cy="369332"/>
+            <a:off x="7766411" y="5142426"/>
+            <a:ext cx="1768305" cy="369332"/>
           </a:xfrm>
           <a:prstGeom prst="rect">
             <a:avLst/>
@@ -8600,8 +6538,13 @@
           <a:p>
             <a:r>
               <a:rPr lang="en-GR" dirty="0"/>
-              <a:t>SlangCLI</a:t>
-            </a:r>
+              <a:t>Slang</a:t>
+            </a:r>
+            <a:r>
+              <a:rPr lang="en-US" dirty="0"/>
+              <a:t> Interpreter</a:t>
+            </a:r>
+            <a:endParaRPr lang="en-GR" dirty="0"/>
           </a:p>
         </p:txBody>
       </p:sp>
@@ -8746,7 +6689,7 @@
 </p:sld>
 </file>
 
-<file path=ppt/slides/slide9.xml><?xml version="1.0" encoding="utf-8"?>
+<file path=ppt/slides/slide6.xml><?xml version="1.0" encoding="utf-8"?>
 <p:sld xmlns:a="http://schemas.openxmlformats.org/drawingml/2006/main" xmlns:r="http://schemas.openxmlformats.org/officeDocument/2006/relationships" xmlns:p="http://schemas.openxmlformats.org/presentationml/2006/main">
   <p:cSld>
     <p:spTree>
@@ -8921,8 +6864,28 @@
                   <a:srgbClr val="FFFFFF"/>
                 </a:solidFill>
               </a:rPr>
-              <a:t>What happen in Middleware</a:t>
-            </a:r>
+              <a:t>What happen in</a:t>
+            </a:r>
+            <a:br>
+              <a:rPr lang="en-US" dirty="0">
+                <a:solidFill>
+                  <a:srgbClr val="FFFFFF"/>
+                </a:solidFill>
+              </a:rPr>
+            </a:br>
+            <a:r>
+              <a:rPr lang="en-US" sz="4000" dirty="0">
+                <a:solidFill>
+                  <a:srgbClr val="FFFFFF"/>
+                </a:solidFill>
+              </a:rPr>
+              <a:t>Pre-Processor</a:t>
+            </a:r>
+            <a:endParaRPr lang="en-GR" dirty="0">
+              <a:solidFill>
+                <a:srgbClr val="FFFFFF"/>
+              </a:solidFill>
+            </a:endParaRPr>
           </a:p>
         </p:txBody>
       </p:sp>
@@ -9156,8 +7119,8 @@
         </p:nvSpPr>
         <p:spPr>
           <a:xfrm>
-            <a:off x="6202683" y="2610938"/>
-            <a:ext cx="963725" cy="369332"/>
+            <a:off x="5797775" y="2575223"/>
+            <a:ext cx="1768305" cy="369332"/>
           </a:xfrm>
           <a:prstGeom prst="rect">
             <a:avLst/>
@@ -9172,8 +7135,13 @@
           <a:p>
             <a:r>
               <a:rPr lang="en-GR" dirty="0"/>
-              <a:t>SlangCLI</a:t>
-            </a:r>
+              <a:t>Slang</a:t>
+            </a:r>
+            <a:r>
+              <a:rPr lang="en-US" dirty="0"/>
+              <a:t> Interpreter</a:t>
+            </a:r>
+            <a:endParaRPr lang="en-GR" dirty="0"/>
           </a:p>
         </p:txBody>
       </p:sp>
@@ -9590,6 +7558,86 @@
       </p:par>
     </p:tnLst>
   </p:timing>
+</p:sld>
+</file>
+
+<file path=ppt/slides/slide7.xml><?xml version="1.0" encoding="utf-8"?>
+<p:sld xmlns:a="http://schemas.openxmlformats.org/drawingml/2006/main" xmlns:r="http://schemas.openxmlformats.org/officeDocument/2006/relationships" xmlns:p="http://schemas.openxmlformats.org/presentationml/2006/main">
+  <p:cSld>
+    <p:spTree>
+      <p:nvGrpSpPr>
+        <p:cNvPr id="1" name=""/>
+        <p:cNvGrpSpPr/>
+        <p:nvPr/>
+      </p:nvGrpSpPr>
+      <p:grpSpPr>
+        <a:xfrm>
+          <a:off x="0" y="0"/>
+          <a:ext cx="0" cy="0"/>
+          <a:chOff x="0" y="0"/>
+          <a:chExt cx="0" cy="0"/>
+        </a:xfrm>
+      </p:grpSpPr>
+      <p:sp>
+        <p:nvSpPr>
+          <p:cNvPr id="2" name="Title 1">
+            <a:extLst>
+              <a:ext uri="{FF2B5EF4-FFF2-40B4-BE49-F238E27FC236}">
+                <a16:creationId xmlns:a16="http://schemas.microsoft.com/office/drawing/2014/main" id="{25A891A7-ECA1-0F0D-0299-57C036AC3041}"/>
+              </a:ext>
+            </a:extLst>
+          </p:cNvPr>
+          <p:cNvSpPr>
+            <a:spLocks noGrp="1"/>
+          </p:cNvSpPr>
+          <p:nvPr>
+            <p:ph type="title"/>
+          </p:nvPr>
+        </p:nvSpPr>
+        <p:spPr>
+          <a:xfrm>
+            <a:off x="593104" y="1508289"/>
+            <a:ext cx="10515600" cy="3642037"/>
+          </a:xfrm>
+        </p:spPr>
+        <p:txBody>
+          <a:bodyPr>
+            <a:noAutofit/>
+          </a:bodyPr>
+          <a:lstStyle/>
+          <a:p>
+            <a:pPr algn="ctr"/>
+            <a:r>
+              <a:rPr lang="en-US" sz="16600" b="1" dirty="0"/>
+              <a:t>Tests </a:t>
+            </a:r>
+            <a:br>
+              <a:rPr lang="en-US" sz="16600" b="1" dirty="0"/>
+            </a:br>
+            <a:r>
+              <a:rPr lang="en-US" sz="16600" b="1" dirty="0"/>
+              <a:t>&amp;</a:t>
+            </a:r>
+            <a:br>
+              <a:rPr lang="en-US" sz="16600" b="1" dirty="0"/>
+            </a:br>
+            <a:r>
+              <a:rPr lang="en-US" sz="16600" b="1" dirty="0"/>
+              <a:t>Q &amp; A</a:t>
+            </a:r>
+          </a:p>
+        </p:txBody>
+      </p:sp>
+    </p:spTree>
+    <p:extLst>
+      <p:ext uri="{BB962C8B-B14F-4D97-AF65-F5344CB8AC3E}">
+        <p14:creationId xmlns:p14="http://schemas.microsoft.com/office/powerpoint/2010/main" val="532713886"/>
+      </p:ext>
+    </p:extLst>
+  </p:cSld>
+  <p:clrMapOvr>
+    <a:masterClrMapping/>
+  </p:clrMapOvr>
 </p:sld>
 </file>
 
